--- a/w12.pptx
+++ b/w12.pptx
@@ -292,7 +292,7 @@
           <a:p>
             <a:fld id="{712104F9-52D3-46D4-B903-BF0203A93E47}" type="datetimeFigureOut">
               <a:rPr lang="en-US" smtClean="0"/>
-              <a:t>10/11/2019</a:t>
+              <a:t>10/17/2019</a:t>
             </a:fld>
             <a:endParaRPr lang="en-US"/>
           </a:p>
@@ -706,7 +706,7 @@
           <a:p>
             <a:fld id="{2A826778-549A-4F0D-B8A4-D43BFDE2527B}" type="datetimeFigureOut">
               <a:rPr lang="en-US" smtClean="0"/>
-              <a:t>10/11/2019</a:t>
+              <a:t>10/17/2019</a:t>
             </a:fld>
             <a:endParaRPr lang="en-US"/>
           </a:p>
@@ -904,7 +904,7 @@
           <a:p>
             <a:fld id="{2A826778-549A-4F0D-B8A4-D43BFDE2527B}" type="datetimeFigureOut">
               <a:rPr lang="en-US" smtClean="0"/>
-              <a:t>10/11/2019</a:t>
+              <a:t>10/17/2019</a:t>
             </a:fld>
             <a:endParaRPr lang="en-US"/>
           </a:p>
@@ -1112,7 +1112,7 @@
           <a:p>
             <a:fld id="{2A826778-549A-4F0D-B8A4-D43BFDE2527B}" type="datetimeFigureOut">
               <a:rPr lang="en-US" smtClean="0"/>
-              <a:t>10/11/2019</a:t>
+              <a:t>10/17/2019</a:t>
             </a:fld>
             <a:endParaRPr lang="en-US"/>
           </a:p>
@@ -1310,7 +1310,7 @@
           <a:p>
             <a:fld id="{2A826778-549A-4F0D-B8A4-D43BFDE2527B}" type="datetimeFigureOut">
               <a:rPr lang="en-US" smtClean="0"/>
-              <a:t>10/11/2019</a:t>
+              <a:t>10/17/2019</a:t>
             </a:fld>
             <a:endParaRPr lang="en-US"/>
           </a:p>
@@ -1585,7 +1585,7 @@
           <a:p>
             <a:fld id="{2A826778-549A-4F0D-B8A4-D43BFDE2527B}" type="datetimeFigureOut">
               <a:rPr lang="en-US" smtClean="0"/>
-              <a:t>10/11/2019</a:t>
+              <a:t>10/17/2019</a:t>
             </a:fld>
             <a:endParaRPr lang="en-US"/>
           </a:p>
@@ -1850,7 +1850,7 @@
           <a:p>
             <a:fld id="{2A826778-549A-4F0D-B8A4-D43BFDE2527B}" type="datetimeFigureOut">
               <a:rPr lang="en-US" smtClean="0"/>
-              <a:t>10/11/2019</a:t>
+              <a:t>10/17/2019</a:t>
             </a:fld>
             <a:endParaRPr lang="en-US"/>
           </a:p>
@@ -2262,7 +2262,7 @@
           <a:p>
             <a:fld id="{2A826778-549A-4F0D-B8A4-D43BFDE2527B}" type="datetimeFigureOut">
               <a:rPr lang="en-US" smtClean="0"/>
-              <a:t>10/11/2019</a:t>
+              <a:t>10/17/2019</a:t>
             </a:fld>
             <a:endParaRPr lang="en-US"/>
           </a:p>
@@ -2403,7 +2403,7 @@
           <a:p>
             <a:fld id="{2A826778-549A-4F0D-B8A4-D43BFDE2527B}" type="datetimeFigureOut">
               <a:rPr lang="en-US" smtClean="0"/>
-              <a:t>10/11/2019</a:t>
+              <a:t>10/17/2019</a:t>
             </a:fld>
             <a:endParaRPr lang="en-US"/>
           </a:p>
@@ -2516,7 +2516,7 @@
           <a:p>
             <a:fld id="{2A826778-549A-4F0D-B8A4-D43BFDE2527B}" type="datetimeFigureOut">
               <a:rPr lang="en-US" smtClean="0"/>
-              <a:t>10/11/2019</a:t>
+              <a:t>10/17/2019</a:t>
             </a:fld>
             <a:endParaRPr lang="en-US"/>
           </a:p>
@@ -2827,7 +2827,7 @@
           <a:p>
             <a:fld id="{2A826778-549A-4F0D-B8A4-D43BFDE2527B}" type="datetimeFigureOut">
               <a:rPr lang="en-US" smtClean="0"/>
-              <a:t>10/11/2019</a:t>
+              <a:t>10/17/2019</a:t>
             </a:fld>
             <a:endParaRPr lang="en-US"/>
           </a:p>
@@ -3115,7 +3115,7 @@
           <a:p>
             <a:fld id="{2A826778-549A-4F0D-B8A4-D43BFDE2527B}" type="datetimeFigureOut">
               <a:rPr lang="en-US" smtClean="0"/>
-              <a:t>10/11/2019</a:t>
+              <a:t>10/17/2019</a:t>
             </a:fld>
             <a:endParaRPr lang="en-US"/>
           </a:p>
@@ -3356,7 +3356,7 @@
           <a:p>
             <a:fld id="{2A826778-549A-4F0D-B8A4-D43BFDE2527B}" type="datetimeFigureOut">
               <a:rPr lang="en-US" smtClean="0"/>
-              <a:t>10/11/2019</a:t>
+              <a:t>10/17/2019</a:t>
             </a:fld>
             <a:endParaRPr lang="en-US"/>
           </a:p>
@@ -4119,14 +4119,13 @@
           <a:p>
             <a:r>
               <a:rPr lang="en-NZ" altLang="zh-CN" dirty="0"/>
-              <a:t>Polymorphism is a method can have different behaviour even when calling the same method name.</a:t>
-            </a:r>
-          </a:p>
-          <a:p>
-            <a:r>
-              <a:rPr lang="en-NZ" dirty="0"/>
-              <a:t>Polymorphism happened needs inheritances and override, for example, Class A and Class B extends Class C, and A B override a method D in class C. at this time A.D() and B.D() will show different behaviour.</a:t>
-            </a:r>
+              <a:t>Polymorphism is a method can have different behaviour even when calling the same method </a:t>
+            </a:r>
+            <a:r>
+              <a:rPr lang="en-NZ" altLang="zh-CN"/>
+              <a:t>name.</a:t>
+            </a:r>
+            <a:endParaRPr lang="en-NZ" altLang="zh-CN" dirty="0"/>
           </a:p>
         </p:txBody>
       </p:sp>
@@ -7271,7 +7270,7 @@
           <a:bodyPr/>
           <a:lstStyle/>
           <a:p>
-            <a:endParaRPr lang="en-NZ"/>
+            <a:endParaRPr lang="en-NZ" dirty="0"/>
           </a:p>
         </p:txBody>
       </p:sp>

--- a/w12.pptx
+++ b/w12.pptx
@@ -5,7 +5,7 @@
     <p:sldMasterId id="2147483648" r:id="rId1"/>
   </p:sldMasterIdLst>
   <p:notesMasterIdLst>
-    <p:notesMasterId r:id="rId40"/>
+    <p:notesMasterId r:id="rId49"/>
   </p:notesMasterIdLst>
   <p:sldIdLst>
     <p:sldId id="256" r:id="rId2"/>
@@ -27,25 +27,34 @@
     <p:sldId id="301" r:id="rId18"/>
     <p:sldId id="302" r:id="rId19"/>
     <p:sldId id="303" r:id="rId20"/>
-    <p:sldId id="304" r:id="rId21"/>
-    <p:sldId id="305" r:id="rId22"/>
-    <p:sldId id="306" r:id="rId23"/>
-    <p:sldId id="309" r:id="rId24"/>
-    <p:sldId id="307" r:id="rId25"/>
-    <p:sldId id="308" r:id="rId26"/>
-    <p:sldId id="310" r:id="rId27"/>
-    <p:sldId id="311" r:id="rId28"/>
-    <p:sldId id="312" r:id="rId29"/>
-    <p:sldId id="313" r:id="rId30"/>
-    <p:sldId id="314" r:id="rId31"/>
-    <p:sldId id="315" r:id="rId32"/>
-    <p:sldId id="316" r:id="rId33"/>
-    <p:sldId id="317" r:id="rId34"/>
-    <p:sldId id="318" r:id="rId35"/>
-    <p:sldId id="319" r:id="rId36"/>
-    <p:sldId id="320" r:id="rId37"/>
-    <p:sldId id="321" r:id="rId38"/>
-    <p:sldId id="322" r:id="rId39"/>
+    <p:sldId id="323" r:id="rId21"/>
+    <p:sldId id="304" r:id="rId22"/>
+    <p:sldId id="305" r:id="rId23"/>
+    <p:sldId id="306" r:id="rId24"/>
+    <p:sldId id="309" r:id="rId25"/>
+    <p:sldId id="307" r:id="rId26"/>
+    <p:sldId id="308" r:id="rId27"/>
+    <p:sldId id="310" r:id="rId28"/>
+    <p:sldId id="311" r:id="rId29"/>
+    <p:sldId id="324" r:id="rId30"/>
+    <p:sldId id="325" r:id="rId31"/>
+    <p:sldId id="312" r:id="rId32"/>
+    <p:sldId id="313" r:id="rId33"/>
+    <p:sldId id="314" r:id="rId34"/>
+    <p:sldId id="326" r:id="rId35"/>
+    <p:sldId id="327" r:id="rId36"/>
+    <p:sldId id="315" r:id="rId37"/>
+    <p:sldId id="316" r:id="rId38"/>
+    <p:sldId id="317" r:id="rId39"/>
+    <p:sldId id="318" r:id="rId40"/>
+    <p:sldId id="319" r:id="rId41"/>
+    <p:sldId id="328" r:id="rId42"/>
+    <p:sldId id="320" r:id="rId43"/>
+    <p:sldId id="321" r:id="rId44"/>
+    <p:sldId id="322" r:id="rId45"/>
+    <p:sldId id="329" r:id="rId46"/>
+    <p:sldId id="330" r:id="rId47"/>
+    <p:sldId id="331" r:id="rId48"/>
   </p:sldIdLst>
   <p:sldSz cx="12192000" cy="6858000"/>
   <p:notesSz cx="6858000" cy="9144000"/>
@@ -168,6 +177,7 @@
             <p14:sldId id="301"/>
             <p14:sldId id="302"/>
             <p14:sldId id="303"/>
+            <p14:sldId id="323"/>
             <p14:sldId id="304"/>
             <p14:sldId id="305"/>
             <p14:sldId id="306"/>
@@ -176,17 +186,25 @@
             <p14:sldId id="308"/>
             <p14:sldId id="310"/>
             <p14:sldId id="311"/>
+            <p14:sldId id="324"/>
+            <p14:sldId id="325"/>
             <p14:sldId id="312"/>
             <p14:sldId id="313"/>
             <p14:sldId id="314"/>
+            <p14:sldId id="326"/>
+            <p14:sldId id="327"/>
             <p14:sldId id="315"/>
             <p14:sldId id="316"/>
             <p14:sldId id="317"/>
             <p14:sldId id="318"/>
             <p14:sldId id="319"/>
+            <p14:sldId id="328"/>
             <p14:sldId id="320"/>
             <p14:sldId id="321"/>
             <p14:sldId id="322"/>
+            <p14:sldId id="329"/>
+            <p14:sldId id="330"/>
+            <p14:sldId id="331"/>
           </p14:sldIdLst>
         </p14:section>
       </p14:sectionLst>
@@ -4112,20 +4130,26 @@
             <p:ph idx="1"/>
           </p:nvPr>
         </p:nvSpPr>
-        <p:spPr/>
+        <p:spPr>
+          <a:xfrm>
+            <a:off x="838200" y="1843209"/>
+            <a:ext cx="10515600" cy="4351338"/>
+          </a:xfrm>
+        </p:spPr>
         <p:txBody>
           <a:bodyPr/>
           <a:lstStyle/>
           <a:p>
             <a:r>
               <a:rPr lang="en-NZ" altLang="zh-CN" dirty="0"/>
-              <a:t>Polymorphism is a method can have different behaviour even when calling the same method </a:t>
-            </a:r>
-            <a:r>
-              <a:rPr lang="en-NZ" altLang="zh-CN"/>
-              <a:t>name.</a:t>
-            </a:r>
-            <a:endParaRPr lang="en-NZ" altLang="zh-CN" dirty="0"/>
+              <a:t>Polymorphism is a method can have different behaviour even when calling the same method name.</a:t>
+            </a:r>
+          </a:p>
+          <a:p>
+            <a:r>
+              <a:rPr lang="en-NZ" dirty="0"/>
+              <a:t>Polymorphism happened needs inheritances and override, for example, Class A and Class B extends Class C, and A B override a method D in class C. at this time A.D() and B.D() will show different behaviour.</a:t>
+            </a:r>
           </a:p>
         </p:txBody>
       </p:sp>
@@ -5041,6 +5065,93 @@
           <p:cNvPr id="2" name="Title 1">
             <a:extLst>
               <a:ext uri="{FF2B5EF4-FFF2-40B4-BE49-F238E27FC236}">
+                <a16:creationId xmlns:a16="http://schemas.microsoft.com/office/drawing/2014/main" id="{CCC7CFA7-BA6F-4BBB-987F-CCCFA5EEEEAF}"/>
+              </a:ext>
+            </a:extLst>
+          </p:cNvPr>
+          <p:cNvSpPr>
+            <a:spLocks noGrp="1"/>
+          </p:cNvSpPr>
+          <p:nvPr>
+            <p:ph type="title"/>
+          </p:nvPr>
+        </p:nvSpPr>
+        <p:spPr/>
+        <p:txBody>
+          <a:bodyPr/>
+          <a:lstStyle/>
+          <a:p>
+            <a:endParaRPr lang="en-NZ"/>
+          </a:p>
+        </p:txBody>
+      </p:sp>
+      <p:pic>
+        <p:nvPicPr>
+          <p:cNvPr id="4" name="Content Placeholder 3">
+            <a:extLst>
+              <a:ext uri="{FF2B5EF4-FFF2-40B4-BE49-F238E27FC236}">
+                <a16:creationId xmlns:a16="http://schemas.microsoft.com/office/drawing/2014/main" id="{503B0D2D-E8FE-489F-BEC9-4FC9A7B9B03E}"/>
+              </a:ext>
+            </a:extLst>
+          </p:cNvPr>
+          <p:cNvPicPr>
+            <a:picLocks noGrp="1" noChangeAspect="1"/>
+          </p:cNvPicPr>
+          <p:nvPr>
+            <p:ph idx="1"/>
+          </p:nvPr>
+        </p:nvPicPr>
+        <p:blipFill>
+          <a:blip r:embed="rId2"/>
+          <a:stretch>
+            <a:fillRect/>
+          </a:stretch>
+        </p:blipFill>
+        <p:spPr>
+          <a:xfrm>
+            <a:off x="3271781" y="1825625"/>
+            <a:ext cx="5648437" cy="4351338"/>
+          </a:xfrm>
+          <a:prstGeom prst="rect">
+            <a:avLst/>
+          </a:prstGeom>
+        </p:spPr>
+      </p:pic>
+    </p:spTree>
+    <p:extLst>
+      <p:ext uri="{BB962C8B-B14F-4D97-AF65-F5344CB8AC3E}">
+        <p14:creationId xmlns:p14="http://schemas.microsoft.com/office/powerpoint/2010/main" val="137710149"/>
+      </p:ext>
+    </p:extLst>
+  </p:cSld>
+  <p:clrMapOvr>
+    <a:masterClrMapping/>
+  </p:clrMapOvr>
+</p:sld>
+</file>
+
+<file path=ppt/slides/slide21.xml><?xml version="1.0" encoding="utf-8"?>
+<p:sld xmlns:a="http://schemas.openxmlformats.org/drawingml/2006/main" xmlns:r="http://schemas.openxmlformats.org/officeDocument/2006/relationships" xmlns:p="http://schemas.openxmlformats.org/presentationml/2006/main">
+  <p:cSld>
+    <p:spTree>
+      <p:nvGrpSpPr>
+        <p:cNvPr id="1" name=""/>
+        <p:cNvGrpSpPr/>
+        <p:nvPr/>
+      </p:nvGrpSpPr>
+      <p:grpSpPr>
+        <a:xfrm>
+          <a:off x="0" y="0"/>
+          <a:ext cx="0" cy="0"/>
+          <a:chOff x="0" y="0"/>
+          <a:chExt cx="0" cy="0"/>
+        </a:xfrm>
+      </p:grpSpPr>
+      <p:sp>
+        <p:nvSpPr>
+          <p:cNvPr id="2" name="Title 1">
+            <a:extLst>
+              <a:ext uri="{FF2B5EF4-FFF2-40B4-BE49-F238E27FC236}">
                 <a16:creationId xmlns:a16="http://schemas.microsoft.com/office/drawing/2014/main" id="{3EAFFCA5-C11A-449B-8C11-AEC353409597}"/>
               </a:ext>
             </a:extLst>
@@ -5114,7 +5225,7 @@
 </p:sld>
 </file>
 
-<file path=ppt/slides/slide21.xml><?xml version="1.0" encoding="utf-8"?>
+<file path=ppt/slides/slide22.xml><?xml version="1.0" encoding="utf-8"?>
 <p:sld xmlns:a="http://schemas.openxmlformats.org/drawingml/2006/main" xmlns:r="http://schemas.openxmlformats.org/officeDocument/2006/relationships" xmlns:p="http://schemas.openxmlformats.org/presentationml/2006/main">
   <p:cSld>
     <p:spTree>
@@ -5215,94 +5326,6 @@
     <p:extLst>
       <p:ext uri="{BB962C8B-B14F-4D97-AF65-F5344CB8AC3E}">
         <p14:creationId xmlns:p14="http://schemas.microsoft.com/office/powerpoint/2010/main" val="2082059928"/>
-      </p:ext>
-    </p:extLst>
-  </p:cSld>
-  <p:clrMapOvr>
-    <a:masterClrMapping/>
-  </p:clrMapOvr>
-</p:sld>
-</file>
-
-<file path=ppt/slides/slide22.xml><?xml version="1.0" encoding="utf-8"?>
-<p:sld xmlns:a="http://schemas.openxmlformats.org/drawingml/2006/main" xmlns:r="http://schemas.openxmlformats.org/officeDocument/2006/relationships" xmlns:p="http://schemas.openxmlformats.org/presentationml/2006/main">
-  <p:cSld>
-    <p:spTree>
-      <p:nvGrpSpPr>
-        <p:cNvPr id="1" name=""/>
-        <p:cNvGrpSpPr/>
-        <p:nvPr/>
-      </p:nvGrpSpPr>
-      <p:grpSpPr>
-        <a:xfrm>
-          <a:off x="0" y="0"/>
-          <a:ext cx="0" cy="0"/>
-          <a:chOff x="0" y="0"/>
-          <a:chExt cx="0" cy="0"/>
-        </a:xfrm>
-      </p:grpSpPr>
-      <p:sp>
-        <p:nvSpPr>
-          <p:cNvPr id="2" name="Title 1">
-            <a:extLst>
-              <a:ext uri="{FF2B5EF4-FFF2-40B4-BE49-F238E27FC236}">
-                <a16:creationId xmlns:a16="http://schemas.microsoft.com/office/drawing/2014/main" id="{B418303C-2371-4301-9DB2-7AB8882FA91B}"/>
-              </a:ext>
-            </a:extLst>
-          </p:cNvPr>
-          <p:cNvSpPr>
-            <a:spLocks noGrp="1"/>
-          </p:cNvSpPr>
-          <p:nvPr>
-            <p:ph type="title"/>
-          </p:nvPr>
-        </p:nvSpPr>
-        <p:spPr/>
-        <p:txBody>
-          <a:bodyPr/>
-          <a:lstStyle/>
-          <a:p>
-            <a:endParaRPr lang="en-NZ"/>
-          </a:p>
-        </p:txBody>
-      </p:sp>
-      <p:sp>
-        <p:nvSpPr>
-          <p:cNvPr id="3" name="Content Placeholder 2">
-            <a:extLst>
-              <a:ext uri="{FF2B5EF4-FFF2-40B4-BE49-F238E27FC236}">
-                <a16:creationId xmlns:a16="http://schemas.microsoft.com/office/drawing/2014/main" id="{C6E32F03-7F3B-4025-B4C9-03D46A4B7605}"/>
-              </a:ext>
-            </a:extLst>
-          </p:cNvPr>
-          <p:cNvSpPr>
-            <a:spLocks noGrp="1"/>
-          </p:cNvSpPr>
-          <p:nvPr>
-            <p:ph idx="1"/>
-          </p:nvPr>
-        </p:nvSpPr>
-        <p:spPr/>
-        <p:txBody>
-          <a:bodyPr/>
-          <a:lstStyle/>
-          <a:p>
-            <a:r>
-              <a:rPr lang="en-US" altLang="zh-CN" dirty="0"/>
-              <a:t>B -  </a:t>
-            </a:r>
-            <a:r>
-              <a:rPr lang="en-NZ" altLang="zh-CN" dirty="0"/>
-              <a:t>private member</a:t>
-            </a:r>
-            <a:endParaRPr lang="en-NZ" dirty="0"/>
-          </a:p>
-        </p:txBody>
-      </p:sp>
-    </p:spTree>
-    <p:extLst>
-      <p:ext uri="{BB962C8B-B14F-4D97-AF65-F5344CB8AC3E}">
-        <p14:creationId xmlns:p14="http://schemas.microsoft.com/office/powerpoint/2010/main" val="1362911215"/>
       </p:ext>
     </p:extLst>
   </p:cSld>
@@ -5334,6 +5357,94 @@
           <p:cNvPr id="2" name="Title 1">
             <a:extLst>
               <a:ext uri="{FF2B5EF4-FFF2-40B4-BE49-F238E27FC236}">
+                <a16:creationId xmlns:a16="http://schemas.microsoft.com/office/drawing/2014/main" id="{B418303C-2371-4301-9DB2-7AB8882FA91B}"/>
+              </a:ext>
+            </a:extLst>
+          </p:cNvPr>
+          <p:cNvSpPr>
+            <a:spLocks noGrp="1"/>
+          </p:cNvSpPr>
+          <p:nvPr>
+            <p:ph type="title"/>
+          </p:nvPr>
+        </p:nvSpPr>
+        <p:spPr/>
+        <p:txBody>
+          <a:bodyPr/>
+          <a:lstStyle/>
+          <a:p>
+            <a:endParaRPr lang="en-NZ"/>
+          </a:p>
+        </p:txBody>
+      </p:sp>
+      <p:sp>
+        <p:nvSpPr>
+          <p:cNvPr id="3" name="Content Placeholder 2">
+            <a:extLst>
+              <a:ext uri="{FF2B5EF4-FFF2-40B4-BE49-F238E27FC236}">
+                <a16:creationId xmlns:a16="http://schemas.microsoft.com/office/drawing/2014/main" id="{C6E32F03-7F3B-4025-B4C9-03D46A4B7605}"/>
+              </a:ext>
+            </a:extLst>
+          </p:cNvPr>
+          <p:cNvSpPr>
+            <a:spLocks noGrp="1"/>
+          </p:cNvSpPr>
+          <p:nvPr>
+            <p:ph idx="1"/>
+          </p:nvPr>
+        </p:nvSpPr>
+        <p:spPr/>
+        <p:txBody>
+          <a:bodyPr/>
+          <a:lstStyle/>
+          <a:p>
+            <a:r>
+              <a:rPr lang="en-US" altLang="zh-CN" dirty="0"/>
+              <a:t>B -  </a:t>
+            </a:r>
+            <a:r>
+              <a:rPr lang="en-NZ" altLang="zh-CN" dirty="0"/>
+              <a:t>private member</a:t>
+            </a:r>
+            <a:endParaRPr lang="en-NZ" dirty="0"/>
+          </a:p>
+        </p:txBody>
+      </p:sp>
+    </p:spTree>
+    <p:extLst>
+      <p:ext uri="{BB962C8B-B14F-4D97-AF65-F5344CB8AC3E}">
+        <p14:creationId xmlns:p14="http://schemas.microsoft.com/office/powerpoint/2010/main" val="1362911215"/>
+      </p:ext>
+    </p:extLst>
+  </p:cSld>
+  <p:clrMapOvr>
+    <a:masterClrMapping/>
+  </p:clrMapOvr>
+</p:sld>
+</file>
+
+<file path=ppt/slides/slide24.xml><?xml version="1.0" encoding="utf-8"?>
+<p:sld xmlns:a="http://schemas.openxmlformats.org/drawingml/2006/main" xmlns:r="http://schemas.openxmlformats.org/officeDocument/2006/relationships" xmlns:p="http://schemas.openxmlformats.org/presentationml/2006/main">
+  <p:cSld>
+    <p:spTree>
+      <p:nvGrpSpPr>
+        <p:cNvPr id="1" name=""/>
+        <p:cNvGrpSpPr/>
+        <p:nvPr/>
+      </p:nvGrpSpPr>
+      <p:grpSpPr>
+        <a:xfrm>
+          <a:off x="0" y="0"/>
+          <a:ext cx="0" cy="0"/>
+          <a:chOff x="0" y="0"/>
+          <a:chExt cx="0" cy="0"/>
+        </a:xfrm>
+      </p:grpSpPr>
+      <p:sp>
+        <p:nvSpPr>
+          <p:cNvPr id="2" name="Title 1">
+            <a:extLst>
+              <a:ext uri="{FF2B5EF4-FFF2-40B4-BE49-F238E27FC236}">
                 <a16:creationId xmlns:a16="http://schemas.microsoft.com/office/drawing/2014/main" id="{A603FDD0-3262-4933-97F9-B806E03F7AAB}"/>
               </a:ext>
             </a:extLst>
@@ -5408,7 +5519,7 @@
 </p:sld>
 </file>
 
-<file path=ppt/slides/slide24.xml><?xml version="1.0" encoding="utf-8"?>
+<file path=ppt/slides/slide25.xml><?xml version="1.0" encoding="utf-8"?>
 <p:sld xmlns:a="http://schemas.openxmlformats.org/drawingml/2006/main" xmlns:r="http://schemas.openxmlformats.org/officeDocument/2006/relationships" xmlns:p="http://schemas.openxmlformats.org/presentationml/2006/main">
   <p:cSld>
     <p:spTree>
@@ -5518,7 +5629,7 @@
 </p:sld>
 </file>
 
-<file path=ppt/slides/slide25.xml><?xml version="1.0" encoding="utf-8"?>
+<file path=ppt/slides/slide26.xml><?xml version="1.0" encoding="utf-8"?>
 <p:sld xmlns:a="http://schemas.openxmlformats.org/drawingml/2006/main" xmlns:r="http://schemas.openxmlformats.org/officeDocument/2006/relationships" xmlns:p="http://schemas.openxmlformats.org/presentationml/2006/main">
   <p:cSld>
     <p:spTree>
@@ -5628,7 +5739,7 @@
 </p:sld>
 </file>
 
-<file path=ppt/slides/slide26.xml><?xml version="1.0" encoding="utf-8"?>
+<file path=ppt/slides/slide27.xml><?xml version="1.0" encoding="utf-8"?>
 <p:sld xmlns:a="http://schemas.openxmlformats.org/drawingml/2006/main" xmlns:r="http://schemas.openxmlformats.org/officeDocument/2006/relationships" xmlns:p="http://schemas.openxmlformats.org/presentationml/2006/main">
   <p:cSld>
     <p:spTree>
@@ -5738,7 +5849,7 @@
 </p:sld>
 </file>
 
-<file path=ppt/slides/slide27.xml><?xml version="1.0" encoding="utf-8"?>
+<file path=ppt/slides/slide28.xml><?xml version="1.0" encoding="utf-8"?>
 <p:sld xmlns:a="http://schemas.openxmlformats.org/drawingml/2006/main" xmlns:r="http://schemas.openxmlformats.org/officeDocument/2006/relationships" xmlns:p="http://schemas.openxmlformats.org/presentationml/2006/main">
   <p:cSld>
     <p:spTree>
@@ -5807,7 +5918,7 @@
             </a:r>
             <a:r>
               <a:rPr lang="en-NZ" dirty="0" err="1"/>
-              <a:t>DeviceManager.getConnection</a:t>
+              <a:t>DriverManager.getConnection</a:t>
             </a:r>
             <a:r>
               <a:rPr lang="en-NZ" dirty="0"/>
@@ -5925,7 +6036,359 @@
 </p:sld>
 </file>
 
-<file path=ppt/slides/slide28.xml><?xml version="1.0" encoding="utf-8"?>
+<file path=ppt/slides/slide29.xml><?xml version="1.0" encoding="utf-8"?>
+<p:sld xmlns:a="http://schemas.openxmlformats.org/drawingml/2006/main" xmlns:r="http://schemas.openxmlformats.org/officeDocument/2006/relationships" xmlns:p="http://schemas.openxmlformats.org/presentationml/2006/main">
+  <p:cSld>
+    <p:spTree>
+      <p:nvGrpSpPr>
+        <p:cNvPr id="1" name=""/>
+        <p:cNvGrpSpPr/>
+        <p:nvPr/>
+      </p:nvGrpSpPr>
+      <p:grpSpPr>
+        <a:xfrm>
+          <a:off x="0" y="0"/>
+          <a:ext cx="0" cy="0"/>
+          <a:chOff x="0" y="0"/>
+          <a:chExt cx="0" cy="0"/>
+        </a:xfrm>
+      </p:grpSpPr>
+      <p:sp>
+        <p:nvSpPr>
+          <p:cNvPr id="2" name="Title 1">
+            <a:extLst>
+              <a:ext uri="{FF2B5EF4-FFF2-40B4-BE49-F238E27FC236}">
+                <a16:creationId xmlns:a16="http://schemas.microsoft.com/office/drawing/2014/main" id="{C2BFB110-0D9A-4A3C-995C-77AF1EE40053}"/>
+              </a:ext>
+            </a:extLst>
+          </p:cNvPr>
+          <p:cNvSpPr>
+            <a:spLocks noGrp="1"/>
+          </p:cNvSpPr>
+          <p:nvPr>
+            <p:ph type="title"/>
+          </p:nvPr>
+        </p:nvSpPr>
+        <p:spPr/>
+        <p:txBody>
+          <a:bodyPr/>
+          <a:lstStyle/>
+          <a:p>
+            <a:endParaRPr lang="en-NZ"/>
+          </a:p>
+        </p:txBody>
+      </p:sp>
+      <p:pic>
+        <p:nvPicPr>
+          <p:cNvPr id="4" name="Content Placeholder 3">
+            <a:extLst>
+              <a:ext uri="{FF2B5EF4-FFF2-40B4-BE49-F238E27FC236}">
+                <a16:creationId xmlns:a16="http://schemas.microsoft.com/office/drawing/2014/main" id="{09CFF716-2131-4153-8DC9-5DC8E95731CD}"/>
+              </a:ext>
+            </a:extLst>
+          </p:cNvPr>
+          <p:cNvPicPr>
+            <a:picLocks noGrp="1" noChangeAspect="1"/>
+          </p:cNvPicPr>
+          <p:nvPr>
+            <p:ph idx="1"/>
+          </p:nvPr>
+        </p:nvPicPr>
+        <p:blipFill>
+          <a:blip r:embed="rId2"/>
+          <a:stretch>
+            <a:fillRect/>
+          </a:stretch>
+        </p:blipFill>
+        <p:spPr>
+          <a:xfrm>
+            <a:off x="1909762" y="3377406"/>
+            <a:ext cx="8372475" cy="1247775"/>
+          </a:xfrm>
+          <a:prstGeom prst="rect">
+            <a:avLst/>
+          </a:prstGeom>
+        </p:spPr>
+      </p:pic>
+    </p:spTree>
+    <p:extLst>
+      <p:ext uri="{BB962C8B-B14F-4D97-AF65-F5344CB8AC3E}">
+        <p14:creationId xmlns:p14="http://schemas.microsoft.com/office/powerpoint/2010/main" val="3842941243"/>
+      </p:ext>
+    </p:extLst>
+  </p:cSld>
+  <p:clrMapOvr>
+    <a:masterClrMapping/>
+  </p:clrMapOvr>
+</p:sld>
+</file>
+
+<file path=ppt/slides/slide3.xml><?xml version="1.0" encoding="utf-8"?>
+<p:sld xmlns:a="http://schemas.openxmlformats.org/drawingml/2006/main" xmlns:r="http://schemas.openxmlformats.org/officeDocument/2006/relationships" xmlns:p="http://schemas.openxmlformats.org/presentationml/2006/main">
+  <p:cSld>
+    <p:spTree>
+      <p:nvGrpSpPr>
+        <p:cNvPr id="1" name=""/>
+        <p:cNvGrpSpPr/>
+        <p:nvPr/>
+      </p:nvGrpSpPr>
+      <p:grpSpPr>
+        <a:xfrm>
+          <a:off x="0" y="0"/>
+          <a:ext cx="0" cy="0"/>
+          <a:chOff x="0" y="0"/>
+          <a:chExt cx="0" cy="0"/>
+        </a:xfrm>
+      </p:grpSpPr>
+      <p:sp>
+        <p:nvSpPr>
+          <p:cNvPr id="2" name="Title 1">
+            <a:extLst>
+              <a:ext uri="{FF2B5EF4-FFF2-40B4-BE49-F238E27FC236}">
+                <a16:creationId xmlns:a16="http://schemas.microsoft.com/office/drawing/2014/main" id="{5EA61968-A116-4663-A1FA-3975CEFEBEBA}"/>
+              </a:ext>
+            </a:extLst>
+          </p:cNvPr>
+          <p:cNvSpPr>
+            <a:spLocks noGrp="1"/>
+          </p:cNvSpPr>
+          <p:nvPr>
+            <p:ph type="title"/>
+          </p:nvPr>
+        </p:nvSpPr>
+        <p:spPr/>
+        <p:txBody>
+          <a:bodyPr/>
+          <a:lstStyle/>
+          <a:p>
+            <a:r>
+              <a:rPr lang="zh-CN" altLang="en-US" dirty="0"/>
+              <a:t>定义类问题</a:t>
+            </a:r>
+            <a:endParaRPr lang="en-NZ" dirty="0"/>
+          </a:p>
+        </p:txBody>
+      </p:sp>
+      <p:sp>
+        <p:nvSpPr>
+          <p:cNvPr id="3" name="Content Placeholder 2">
+            <a:extLst>
+              <a:ext uri="{FF2B5EF4-FFF2-40B4-BE49-F238E27FC236}">
+                <a16:creationId xmlns:a16="http://schemas.microsoft.com/office/drawing/2014/main" id="{1B1543AE-4B3E-4315-AA39-4C378C69C6D3}"/>
+              </a:ext>
+            </a:extLst>
+          </p:cNvPr>
+          <p:cNvSpPr>
+            <a:spLocks noGrp="1"/>
+          </p:cNvSpPr>
+          <p:nvPr>
+            <p:ph idx="1"/>
+          </p:nvPr>
+        </p:nvSpPr>
+        <p:spPr/>
+        <p:txBody>
+          <a:bodyPr/>
+          <a:lstStyle/>
+          <a:p>
+            <a:r>
+              <a:rPr lang="zh-CN" altLang="en-US" dirty="0"/>
+              <a:t>无非是</a:t>
+            </a:r>
+            <a:r>
+              <a:rPr lang="en-US" altLang="zh-CN" dirty="0"/>
+              <a:t>OOP</a:t>
+            </a:r>
+            <a:r>
+              <a:rPr lang="zh-CN" altLang="en-US" dirty="0"/>
+              <a:t>的好处</a:t>
+            </a:r>
+            <a:r>
+              <a:rPr lang="en-US" altLang="zh-CN" dirty="0"/>
+              <a:t>, </a:t>
+            </a:r>
+            <a:r>
+              <a:rPr lang="zh-CN" altLang="en-US" dirty="0"/>
+              <a:t>封装</a:t>
+            </a:r>
+            <a:r>
+              <a:rPr lang="en-US" altLang="zh-CN" dirty="0"/>
+              <a:t>,</a:t>
+            </a:r>
+            <a:r>
+              <a:rPr lang="zh-CN" altLang="en-US" dirty="0"/>
+              <a:t> 继承</a:t>
+            </a:r>
+            <a:r>
+              <a:rPr lang="en-US" altLang="zh-CN" dirty="0"/>
+              <a:t>, </a:t>
+            </a:r>
+            <a:r>
+              <a:rPr lang="zh-CN" altLang="en-US" dirty="0"/>
+              <a:t>多态</a:t>
+            </a:r>
+            <a:r>
+              <a:rPr lang="en-US" altLang="zh-CN" dirty="0"/>
+              <a:t>, </a:t>
+            </a:r>
+            <a:r>
+              <a:rPr lang="zh-CN" altLang="en-US" dirty="0"/>
+              <a:t>过载</a:t>
+            </a:r>
+            <a:r>
+              <a:rPr lang="en-US" altLang="zh-CN" dirty="0"/>
+              <a:t>, </a:t>
+            </a:r>
+            <a:r>
+              <a:rPr lang="zh-CN" altLang="en-US" dirty="0"/>
+              <a:t>还有</a:t>
+            </a:r>
+            <a:r>
+              <a:rPr lang="en-US" altLang="zh-CN" dirty="0"/>
+              <a:t>final</a:t>
+            </a:r>
+          </a:p>
+          <a:p>
+            <a:endParaRPr lang="en-US" altLang="zh-CN" dirty="0"/>
+          </a:p>
+        </p:txBody>
+      </p:sp>
+    </p:spTree>
+    <p:extLst>
+      <p:ext uri="{BB962C8B-B14F-4D97-AF65-F5344CB8AC3E}">
+        <p14:creationId xmlns:p14="http://schemas.microsoft.com/office/powerpoint/2010/main" val="268549058"/>
+      </p:ext>
+    </p:extLst>
+  </p:cSld>
+  <p:clrMapOvr>
+    <a:masterClrMapping/>
+  </p:clrMapOvr>
+</p:sld>
+</file>
+
+<file path=ppt/slides/slide30.xml><?xml version="1.0" encoding="utf-8"?>
+<p:sld xmlns:a="http://schemas.openxmlformats.org/drawingml/2006/main" xmlns:r="http://schemas.openxmlformats.org/officeDocument/2006/relationships" xmlns:p="http://schemas.openxmlformats.org/presentationml/2006/main">
+  <p:cSld>
+    <p:spTree>
+      <p:nvGrpSpPr>
+        <p:cNvPr id="1" name=""/>
+        <p:cNvGrpSpPr/>
+        <p:nvPr/>
+      </p:nvGrpSpPr>
+      <p:grpSpPr>
+        <a:xfrm>
+          <a:off x="0" y="0"/>
+          <a:ext cx="0" cy="0"/>
+          <a:chOff x="0" y="0"/>
+          <a:chExt cx="0" cy="0"/>
+        </a:xfrm>
+      </p:grpSpPr>
+      <p:sp>
+        <p:nvSpPr>
+          <p:cNvPr id="2" name="Title 1">
+            <a:extLst>
+              <a:ext uri="{FF2B5EF4-FFF2-40B4-BE49-F238E27FC236}">
+                <a16:creationId xmlns:a16="http://schemas.microsoft.com/office/drawing/2014/main" id="{0AA0BE89-3B57-45B7-8B1F-DE364FF131C5}"/>
+              </a:ext>
+            </a:extLst>
+          </p:cNvPr>
+          <p:cNvSpPr>
+            <a:spLocks noGrp="1"/>
+          </p:cNvSpPr>
+          <p:nvPr>
+            <p:ph type="title"/>
+          </p:nvPr>
+        </p:nvSpPr>
+        <p:spPr/>
+        <p:txBody>
+          <a:bodyPr/>
+          <a:lstStyle/>
+          <a:p>
+            <a:endParaRPr lang="en-NZ"/>
+          </a:p>
+        </p:txBody>
+      </p:sp>
+      <p:sp>
+        <p:nvSpPr>
+          <p:cNvPr id="3" name="Content Placeholder 2">
+            <a:extLst>
+              <a:ext uri="{FF2B5EF4-FFF2-40B4-BE49-F238E27FC236}">
+                <a16:creationId xmlns:a16="http://schemas.microsoft.com/office/drawing/2014/main" id="{9613A79F-97AE-40D1-B861-D4214304A124}"/>
+              </a:ext>
+            </a:extLst>
+          </p:cNvPr>
+          <p:cNvSpPr>
+            <a:spLocks noGrp="1"/>
+          </p:cNvSpPr>
+          <p:nvPr>
+            <p:ph idx="1"/>
+          </p:nvPr>
+        </p:nvSpPr>
+        <p:spPr/>
+        <p:txBody>
+          <a:bodyPr/>
+          <a:lstStyle/>
+          <a:p>
+            <a:r>
+              <a:rPr lang="en-NZ" dirty="0"/>
+              <a:t>1 use driver manager  to get connection by using connection String, user name and password</a:t>
+            </a:r>
+          </a:p>
+          <a:p>
+            <a:r>
+              <a:rPr lang="en-NZ" dirty="0"/>
+              <a:t>2 use connection to create statement</a:t>
+            </a:r>
+          </a:p>
+          <a:p>
+            <a:r>
+              <a:rPr lang="en-NZ" dirty="0"/>
+              <a:t>3 use statement to execute </a:t>
+            </a:r>
+            <a:r>
+              <a:rPr lang="en-NZ" dirty="0" err="1"/>
+              <a:t>sql</a:t>
+            </a:r>
+            <a:r>
+              <a:rPr lang="en-NZ" dirty="0"/>
+              <a:t> to database</a:t>
+            </a:r>
+          </a:p>
+          <a:p>
+            <a:r>
+              <a:rPr lang="en-NZ" dirty="0"/>
+              <a:t>4 use Result set to store the result</a:t>
+            </a:r>
+          </a:p>
+          <a:p>
+            <a:r>
+              <a:rPr lang="en-NZ" dirty="0"/>
+              <a:t>5 use while loop to process result (while(</a:t>
+            </a:r>
+            <a:r>
+              <a:rPr lang="en-NZ" dirty="0" err="1"/>
+              <a:t>result.next</a:t>
+            </a:r>
+            <a:r>
+              <a:rPr lang="en-NZ" dirty="0"/>
+              <a:t>())</a:t>
+            </a:r>
+          </a:p>
+        </p:txBody>
+      </p:sp>
+    </p:spTree>
+    <p:extLst>
+      <p:ext uri="{BB962C8B-B14F-4D97-AF65-F5344CB8AC3E}">
+        <p14:creationId xmlns:p14="http://schemas.microsoft.com/office/powerpoint/2010/main" val="3431773451"/>
+      </p:ext>
+    </p:extLst>
+  </p:cSld>
+  <p:clrMapOvr>
+    <a:masterClrMapping/>
+  </p:clrMapOvr>
+</p:sld>
+</file>
+
+<file path=ppt/slides/slide31.xml><?xml version="1.0" encoding="utf-8"?>
 <p:sld xmlns:a="http://schemas.openxmlformats.org/drawingml/2006/main" xmlns:r="http://schemas.openxmlformats.org/officeDocument/2006/relationships" xmlns:p="http://schemas.openxmlformats.org/presentationml/2006/main">
   <p:cSld>
     <p:spTree>
@@ -6035,452 +6498,6 @@
 </p:sld>
 </file>
 
-<file path=ppt/slides/slide29.xml><?xml version="1.0" encoding="utf-8"?>
-<p:sld xmlns:a="http://schemas.openxmlformats.org/drawingml/2006/main" xmlns:r="http://schemas.openxmlformats.org/officeDocument/2006/relationships" xmlns:p="http://schemas.openxmlformats.org/presentationml/2006/main">
-  <p:cSld>
-    <p:spTree>
-      <p:nvGrpSpPr>
-        <p:cNvPr id="1" name=""/>
-        <p:cNvGrpSpPr/>
-        <p:nvPr/>
-      </p:nvGrpSpPr>
-      <p:grpSpPr>
-        <a:xfrm>
-          <a:off x="0" y="0"/>
-          <a:ext cx="0" cy="0"/>
-          <a:chOff x="0" y="0"/>
-          <a:chExt cx="0" cy="0"/>
-        </a:xfrm>
-      </p:grpSpPr>
-      <p:sp>
-        <p:nvSpPr>
-          <p:cNvPr id="2" name="Title 1">
-            <a:extLst>
-              <a:ext uri="{FF2B5EF4-FFF2-40B4-BE49-F238E27FC236}">
-                <a16:creationId xmlns:a16="http://schemas.microsoft.com/office/drawing/2014/main" id="{70F21328-838F-49AC-A484-BA48724F89C7}"/>
-              </a:ext>
-            </a:extLst>
-          </p:cNvPr>
-          <p:cNvSpPr>
-            <a:spLocks noGrp="1"/>
-          </p:cNvSpPr>
-          <p:nvPr>
-            <p:ph type="title"/>
-          </p:nvPr>
-        </p:nvSpPr>
-        <p:spPr/>
-        <p:txBody>
-          <a:bodyPr/>
-          <a:lstStyle/>
-          <a:p>
-            <a:endParaRPr lang="en-NZ"/>
-          </a:p>
-        </p:txBody>
-      </p:sp>
-      <p:sp>
-        <p:nvSpPr>
-          <p:cNvPr id="3" name="Content Placeholder 2">
-            <a:extLst>
-              <a:ext uri="{FF2B5EF4-FFF2-40B4-BE49-F238E27FC236}">
-                <a16:creationId xmlns:a16="http://schemas.microsoft.com/office/drawing/2014/main" id="{627D0BD0-16FC-411E-A813-5117F0DD1892}"/>
-              </a:ext>
-            </a:extLst>
-          </p:cNvPr>
-          <p:cNvSpPr>
-            <a:spLocks noGrp="1"/>
-          </p:cNvSpPr>
-          <p:nvPr>
-            <p:ph idx="1"/>
-          </p:nvPr>
-        </p:nvSpPr>
-        <p:spPr/>
-        <p:txBody>
-          <a:bodyPr/>
-          <a:lstStyle/>
-          <a:p>
-            <a:r>
-              <a:rPr lang="en-NZ" dirty="0"/>
-              <a:t>Extends thread, </a:t>
-            </a:r>
-          </a:p>
-          <a:p>
-            <a:r>
-              <a:rPr lang="en-NZ" dirty="0"/>
-              <a:t>Make run</a:t>
-            </a:r>
-          </a:p>
-        </p:txBody>
-      </p:sp>
-    </p:spTree>
-    <p:extLst>
-      <p:ext uri="{BB962C8B-B14F-4D97-AF65-F5344CB8AC3E}">
-        <p14:creationId xmlns:p14="http://schemas.microsoft.com/office/powerpoint/2010/main" val="904835814"/>
-      </p:ext>
-    </p:extLst>
-  </p:cSld>
-  <p:clrMapOvr>
-    <a:masterClrMapping/>
-  </p:clrMapOvr>
-</p:sld>
-</file>
-
-<file path=ppt/slides/slide3.xml><?xml version="1.0" encoding="utf-8"?>
-<p:sld xmlns:a="http://schemas.openxmlformats.org/drawingml/2006/main" xmlns:r="http://schemas.openxmlformats.org/officeDocument/2006/relationships" xmlns:p="http://schemas.openxmlformats.org/presentationml/2006/main">
-  <p:cSld>
-    <p:spTree>
-      <p:nvGrpSpPr>
-        <p:cNvPr id="1" name=""/>
-        <p:cNvGrpSpPr/>
-        <p:nvPr/>
-      </p:nvGrpSpPr>
-      <p:grpSpPr>
-        <a:xfrm>
-          <a:off x="0" y="0"/>
-          <a:ext cx="0" cy="0"/>
-          <a:chOff x="0" y="0"/>
-          <a:chExt cx="0" cy="0"/>
-        </a:xfrm>
-      </p:grpSpPr>
-      <p:sp>
-        <p:nvSpPr>
-          <p:cNvPr id="2" name="Title 1">
-            <a:extLst>
-              <a:ext uri="{FF2B5EF4-FFF2-40B4-BE49-F238E27FC236}">
-                <a16:creationId xmlns:a16="http://schemas.microsoft.com/office/drawing/2014/main" id="{5EA61968-A116-4663-A1FA-3975CEFEBEBA}"/>
-              </a:ext>
-            </a:extLst>
-          </p:cNvPr>
-          <p:cNvSpPr>
-            <a:spLocks noGrp="1"/>
-          </p:cNvSpPr>
-          <p:nvPr>
-            <p:ph type="title"/>
-          </p:nvPr>
-        </p:nvSpPr>
-        <p:spPr/>
-        <p:txBody>
-          <a:bodyPr/>
-          <a:lstStyle/>
-          <a:p>
-            <a:r>
-              <a:rPr lang="zh-CN" altLang="en-US" dirty="0"/>
-              <a:t>定义类问题</a:t>
-            </a:r>
-            <a:endParaRPr lang="en-NZ" dirty="0"/>
-          </a:p>
-        </p:txBody>
-      </p:sp>
-      <p:sp>
-        <p:nvSpPr>
-          <p:cNvPr id="3" name="Content Placeholder 2">
-            <a:extLst>
-              <a:ext uri="{FF2B5EF4-FFF2-40B4-BE49-F238E27FC236}">
-                <a16:creationId xmlns:a16="http://schemas.microsoft.com/office/drawing/2014/main" id="{1B1543AE-4B3E-4315-AA39-4C378C69C6D3}"/>
-              </a:ext>
-            </a:extLst>
-          </p:cNvPr>
-          <p:cNvSpPr>
-            <a:spLocks noGrp="1"/>
-          </p:cNvSpPr>
-          <p:nvPr>
-            <p:ph idx="1"/>
-          </p:nvPr>
-        </p:nvSpPr>
-        <p:spPr/>
-        <p:txBody>
-          <a:bodyPr/>
-          <a:lstStyle/>
-          <a:p>
-            <a:r>
-              <a:rPr lang="zh-CN" altLang="en-US" dirty="0"/>
-              <a:t>无非是</a:t>
-            </a:r>
-            <a:r>
-              <a:rPr lang="en-US" altLang="zh-CN" dirty="0"/>
-              <a:t>OOP</a:t>
-            </a:r>
-            <a:r>
-              <a:rPr lang="zh-CN" altLang="en-US" dirty="0"/>
-              <a:t>的好处</a:t>
-            </a:r>
-            <a:r>
-              <a:rPr lang="en-US" altLang="zh-CN" dirty="0"/>
-              <a:t>, </a:t>
-            </a:r>
-            <a:r>
-              <a:rPr lang="zh-CN" altLang="en-US" dirty="0"/>
-              <a:t>封装</a:t>
-            </a:r>
-            <a:r>
-              <a:rPr lang="en-US" altLang="zh-CN" dirty="0"/>
-              <a:t>,</a:t>
-            </a:r>
-            <a:r>
-              <a:rPr lang="zh-CN" altLang="en-US" dirty="0"/>
-              <a:t> 继承</a:t>
-            </a:r>
-            <a:r>
-              <a:rPr lang="en-US" altLang="zh-CN" dirty="0"/>
-              <a:t>, </a:t>
-            </a:r>
-            <a:r>
-              <a:rPr lang="zh-CN" altLang="en-US" dirty="0"/>
-              <a:t>多态</a:t>
-            </a:r>
-            <a:r>
-              <a:rPr lang="en-US" altLang="zh-CN" dirty="0"/>
-              <a:t>, </a:t>
-            </a:r>
-            <a:r>
-              <a:rPr lang="zh-CN" altLang="en-US" dirty="0"/>
-              <a:t>过载</a:t>
-            </a:r>
-            <a:r>
-              <a:rPr lang="en-US" altLang="zh-CN" dirty="0"/>
-              <a:t>, </a:t>
-            </a:r>
-            <a:r>
-              <a:rPr lang="zh-CN" altLang="en-US" dirty="0"/>
-              <a:t>还有</a:t>
-            </a:r>
-            <a:r>
-              <a:rPr lang="en-US" altLang="zh-CN" dirty="0"/>
-              <a:t>final</a:t>
-            </a:r>
-          </a:p>
-          <a:p>
-            <a:endParaRPr lang="en-US" altLang="zh-CN" dirty="0"/>
-          </a:p>
-        </p:txBody>
-      </p:sp>
-    </p:spTree>
-    <p:extLst>
-      <p:ext uri="{BB962C8B-B14F-4D97-AF65-F5344CB8AC3E}">
-        <p14:creationId xmlns:p14="http://schemas.microsoft.com/office/powerpoint/2010/main" val="268549058"/>
-      </p:ext>
-    </p:extLst>
-  </p:cSld>
-  <p:clrMapOvr>
-    <a:masterClrMapping/>
-  </p:clrMapOvr>
-</p:sld>
-</file>
-
-<file path=ppt/slides/slide30.xml><?xml version="1.0" encoding="utf-8"?>
-<p:sld xmlns:a="http://schemas.openxmlformats.org/drawingml/2006/main" xmlns:r="http://schemas.openxmlformats.org/officeDocument/2006/relationships" xmlns:p="http://schemas.openxmlformats.org/presentationml/2006/main">
-  <p:cSld>
-    <p:spTree>
-      <p:nvGrpSpPr>
-        <p:cNvPr id="1" name=""/>
-        <p:cNvGrpSpPr/>
-        <p:nvPr/>
-      </p:nvGrpSpPr>
-      <p:grpSpPr>
-        <a:xfrm>
-          <a:off x="0" y="0"/>
-          <a:ext cx="0" cy="0"/>
-          <a:chOff x="0" y="0"/>
-          <a:chExt cx="0" cy="0"/>
-        </a:xfrm>
-      </p:grpSpPr>
-      <p:sp>
-        <p:nvSpPr>
-          <p:cNvPr id="2" name="Title 1">
-            <a:extLst>
-              <a:ext uri="{FF2B5EF4-FFF2-40B4-BE49-F238E27FC236}">
-                <a16:creationId xmlns:a16="http://schemas.microsoft.com/office/drawing/2014/main" id="{7D763622-D578-4E52-8280-609BE2516E18}"/>
-              </a:ext>
-            </a:extLst>
-          </p:cNvPr>
-          <p:cNvSpPr>
-            <a:spLocks noGrp="1"/>
-          </p:cNvSpPr>
-          <p:nvPr>
-            <p:ph type="title"/>
-          </p:nvPr>
-        </p:nvSpPr>
-        <p:spPr/>
-        <p:txBody>
-          <a:bodyPr/>
-          <a:lstStyle/>
-          <a:p>
-            <a:r>
-              <a:rPr lang="en-NZ" dirty="0"/>
-              <a:t>State of thread</a:t>
-            </a:r>
-          </a:p>
-        </p:txBody>
-      </p:sp>
-      <p:sp>
-        <p:nvSpPr>
-          <p:cNvPr id="3" name="Content Placeholder 2">
-            <a:extLst>
-              <a:ext uri="{FF2B5EF4-FFF2-40B4-BE49-F238E27FC236}">
-                <a16:creationId xmlns:a16="http://schemas.microsoft.com/office/drawing/2014/main" id="{BCE72933-C367-4F2E-AFC7-130F69978742}"/>
-              </a:ext>
-            </a:extLst>
-          </p:cNvPr>
-          <p:cNvSpPr>
-            <a:spLocks noGrp="1"/>
-          </p:cNvSpPr>
-          <p:nvPr>
-            <p:ph idx="1"/>
-          </p:nvPr>
-        </p:nvSpPr>
-        <p:spPr/>
-        <p:txBody>
-          <a:bodyPr/>
-          <a:lstStyle/>
-          <a:p>
-            <a:r>
-              <a:rPr lang="en-NZ" dirty="0"/>
-              <a:t>1 runnable</a:t>
-            </a:r>
-          </a:p>
-          <a:p>
-            <a:r>
-              <a:rPr lang="en-NZ" dirty="0"/>
-              <a:t>2 running</a:t>
-            </a:r>
-          </a:p>
-          <a:p>
-            <a:r>
-              <a:rPr lang="en-NZ" dirty="0"/>
-              <a:t>3 block, sleep , wait</a:t>
-            </a:r>
-          </a:p>
-          <a:p>
-            <a:r>
-              <a:rPr lang="en-NZ" dirty="0"/>
-              <a:t>4 wait</a:t>
-            </a:r>
-          </a:p>
-        </p:txBody>
-      </p:sp>
-    </p:spTree>
-    <p:extLst>
-      <p:ext uri="{BB962C8B-B14F-4D97-AF65-F5344CB8AC3E}">
-        <p14:creationId xmlns:p14="http://schemas.microsoft.com/office/powerpoint/2010/main" val="1680817047"/>
-      </p:ext>
-    </p:extLst>
-  </p:cSld>
-  <p:clrMapOvr>
-    <a:masterClrMapping/>
-  </p:clrMapOvr>
-</p:sld>
-</file>
-
-<file path=ppt/slides/slide31.xml><?xml version="1.0" encoding="utf-8"?>
-<p:sld xmlns:a="http://schemas.openxmlformats.org/drawingml/2006/main" xmlns:r="http://schemas.openxmlformats.org/officeDocument/2006/relationships" xmlns:p="http://schemas.openxmlformats.org/presentationml/2006/main">
-  <p:cSld>
-    <p:spTree>
-      <p:nvGrpSpPr>
-        <p:cNvPr id="1" name=""/>
-        <p:cNvGrpSpPr/>
-        <p:nvPr/>
-      </p:nvGrpSpPr>
-      <p:grpSpPr>
-        <a:xfrm>
-          <a:off x="0" y="0"/>
-          <a:ext cx="0" cy="0"/>
-          <a:chOff x="0" y="0"/>
-          <a:chExt cx="0" cy="0"/>
-        </a:xfrm>
-      </p:grpSpPr>
-      <p:sp>
-        <p:nvSpPr>
-          <p:cNvPr id="2" name="Title 1">
-            <a:extLst>
-              <a:ext uri="{FF2B5EF4-FFF2-40B4-BE49-F238E27FC236}">
-                <a16:creationId xmlns:a16="http://schemas.microsoft.com/office/drawing/2014/main" id="{357A3D66-A439-472F-B481-721B8FC232AB}"/>
-              </a:ext>
-            </a:extLst>
-          </p:cNvPr>
-          <p:cNvSpPr>
-            <a:spLocks noGrp="1"/>
-          </p:cNvSpPr>
-          <p:nvPr>
-            <p:ph type="title"/>
-          </p:nvPr>
-        </p:nvSpPr>
-        <p:spPr/>
-        <p:txBody>
-          <a:bodyPr/>
-          <a:lstStyle/>
-          <a:p>
-            <a:r>
-              <a:rPr lang="en-NZ" dirty="0"/>
-              <a:t>Yield </a:t>
-            </a:r>
-            <a:r>
-              <a:rPr lang="zh-CN" altLang="en-US" dirty="0"/>
-              <a:t>和 </a:t>
-            </a:r>
-            <a:r>
-              <a:rPr lang="en-US" altLang="zh-CN" dirty="0"/>
-              <a:t>sleep</a:t>
-            </a:r>
-            <a:r>
-              <a:rPr lang="zh-CN" altLang="en-US" dirty="0"/>
-              <a:t>的区别</a:t>
-            </a:r>
-            <a:endParaRPr lang="en-NZ" dirty="0"/>
-          </a:p>
-        </p:txBody>
-      </p:sp>
-      <p:sp>
-        <p:nvSpPr>
-          <p:cNvPr id="3" name="Content Placeholder 2">
-            <a:extLst>
-              <a:ext uri="{FF2B5EF4-FFF2-40B4-BE49-F238E27FC236}">
-                <a16:creationId xmlns:a16="http://schemas.microsoft.com/office/drawing/2014/main" id="{F5765C68-DF7B-4583-9DBB-C7CA533496AE}"/>
-              </a:ext>
-            </a:extLst>
-          </p:cNvPr>
-          <p:cNvSpPr>
-            <a:spLocks noGrp="1"/>
-          </p:cNvSpPr>
-          <p:nvPr>
-            <p:ph idx="1"/>
-          </p:nvPr>
-        </p:nvSpPr>
-        <p:spPr/>
-        <p:txBody>
-          <a:bodyPr/>
-          <a:lstStyle/>
-          <a:p>
-            <a:r>
-              <a:rPr lang="en-US" altLang="zh-CN" dirty="0"/>
-              <a:t>Yield will stop a thread, let other task to run( go in to CS)</a:t>
-            </a:r>
-          </a:p>
-          <a:p>
-            <a:r>
-              <a:rPr lang="en-US" dirty="0"/>
-              <a:t>Sleep can stop a thread by a given time</a:t>
-            </a:r>
-          </a:p>
-          <a:p>
-            <a:pPr marL="0" indent="0">
-              <a:buNone/>
-            </a:pPr>
-            <a:endParaRPr lang="en-NZ" dirty="0"/>
-          </a:p>
-        </p:txBody>
-      </p:sp>
-    </p:spTree>
-    <p:extLst>
-      <p:ext uri="{BB962C8B-B14F-4D97-AF65-F5344CB8AC3E}">
-        <p14:creationId xmlns:p14="http://schemas.microsoft.com/office/powerpoint/2010/main" val="120837790"/>
-      </p:ext>
-    </p:extLst>
-  </p:cSld>
-  <p:clrMapOvr>
-    <a:masterClrMapping/>
-  </p:clrMapOvr>
-</p:sld>
-</file>
-
 <file path=ppt/slides/slide32.xml><?xml version="1.0" encoding="utf-8"?>
 <p:sld xmlns:a="http://schemas.openxmlformats.org/drawingml/2006/main" xmlns:r="http://schemas.openxmlformats.org/officeDocument/2006/relationships" xmlns:p="http://schemas.openxmlformats.org/presentationml/2006/main">
   <p:cSld>
@@ -6503,6 +6520,507 @@
           <p:cNvPr id="2" name="Title 1">
             <a:extLst>
               <a:ext uri="{FF2B5EF4-FFF2-40B4-BE49-F238E27FC236}">
+                <a16:creationId xmlns:a16="http://schemas.microsoft.com/office/drawing/2014/main" id="{70F21328-838F-49AC-A484-BA48724F89C7}"/>
+              </a:ext>
+            </a:extLst>
+          </p:cNvPr>
+          <p:cNvSpPr>
+            <a:spLocks noGrp="1"/>
+          </p:cNvSpPr>
+          <p:nvPr>
+            <p:ph type="title"/>
+          </p:nvPr>
+        </p:nvSpPr>
+        <p:spPr/>
+        <p:txBody>
+          <a:bodyPr/>
+          <a:lstStyle/>
+          <a:p>
+            <a:endParaRPr lang="en-NZ"/>
+          </a:p>
+        </p:txBody>
+      </p:sp>
+      <p:sp>
+        <p:nvSpPr>
+          <p:cNvPr id="3" name="Content Placeholder 2">
+            <a:extLst>
+              <a:ext uri="{FF2B5EF4-FFF2-40B4-BE49-F238E27FC236}">
+                <a16:creationId xmlns:a16="http://schemas.microsoft.com/office/drawing/2014/main" id="{627D0BD0-16FC-411E-A813-5117F0DD1892}"/>
+              </a:ext>
+            </a:extLst>
+          </p:cNvPr>
+          <p:cNvSpPr>
+            <a:spLocks noGrp="1"/>
+          </p:cNvSpPr>
+          <p:nvPr>
+            <p:ph idx="1"/>
+          </p:nvPr>
+        </p:nvSpPr>
+        <p:spPr/>
+        <p:txBody>
+          <a:bodyPr/>
+          <a:lstStyle/>
+          <a:p>
+            <a:r>
+              <a:rPr lang="en-NZ" dirty="0"/>
+              <a:t>Extends thread, </a:t>
+            </a:r>
+          </a:p>
+          <a:p>
+            <a:r>
+              <a:rPr lang="en-NZ" dirty="0"/>
+              <a:t>Make run</a:t>
+            </a:r>
+          </a:p>
+        </p:txBody>
+      </p:sp>
+    </p:spTree>
+    <p:extLst>
+      <p:ext uri="{BB962C8B-B14F-4D97-AF65-F5344CB8AC3E}">
+        <p14:creationId xmlns:p14="http://schemas.microsoft.com/office/powerpoint/2010/main" val="904835814"/>
+      </p:ext>
+    </p:extLst>
+  </p:cSld>
+  <p:clrMapOvr>
+    <a:masterClrMapping/>
+  </p:clrMapOvr>
+</p:sld>
+</file>
+
+<file path=ppt/slides/slide33.xml><?xml version="1.0" encoding="utf-8"?>
+<p:sld xmlns:a="http://schemas.openxmlformats.org/drawingml/2006/main" xmlns:r="http://schemas.openxmlformats.org/officeDocument/2006/relationships" xmlns:p="http://schemas.openxmlformats.org/presentationml/2006/main">
+  <p:cSld>
+    <p:spTree>
+      <p:nvGrpSpPr>
+        <p:cNvPr id="1" name=""/>
+        <p:cNvGrpSpPr/>
+        <p:nvPr/>
+      </p:nvGrpSpPr>
+      <p:grpSpPr>
+        <a:xfrm>
+          <a:off x="0" y="0"/>
+          <a:ext cx="0" cy="0"/>
+          <a:chOff x="0" y="0"/>
+          <a:chExt cx="0" cy="0"/>
+        </a:xfrm>
+      </p:grpSpPr>
+      <p:sp>
+        <p:nvSpPr>
+          <p:cNvPr id="2" name="Title 1">
+            <a:extLst>
+              <a:ext uri="{FF2B5EF4-FFF2-40B4-BE49-F238E27FC236}">
+                <a16:creationId xmlns:a16="http://schemas.microsoft.com/office/drawing/2014/main" id="{7D763622-D578-4E52-8280-609BE2516E18}"/>
+              </a:ext>
+            </a:extLst>
+          </p:cNvPr>
+          <p:cNvSpPr>
+            <a:spLocks noGrp="1"/>
+          </p:cNvSpPr>
+          <p:nvPr>
+            <p:ph type="title"/>
+          </p:nvPr>
+        </p:nvSpPr>
+        <p:spPr/>
+        <p:txBody>
+          <a:bodyPr/>
+          <a:lstStyle/>
+          <a:p>
+            <a:r>
+              <a:rPr lang="en-NZ" dirty="0"/>
+              <a:t>State of thread</a:t>
+            </a:r>
+          </a:p>
+        </p:txBody>
+      </p:sp>
+      <p:sp>
+        <p:nvSpPr>
+          <p:cNvPr id="3" name="Content Placeholder 2">
+            <a:extLst>
+              <a:ext uri="{FF2B5EF4-FFF2-40B4-BE49-F238E27FC236}">
+                <a16:creationId xmlns:a16="http://schemas.microsoft.com/office/drawing/2014/main" id="{BCE72933-C367-4F2E-AFC7-130F69978742}"/>
+              </a:ext>
+            </a:extLst>
+          </p:cNvPr>
+          <p:cNvSpPr>
+            <a:spLocks noGrp="1"/>
+          </p:cNvSpPr>
+          <p:nvPr>
+            <p:ph idx="1"/>
+          </p:nvPr>
+        </p:nvSpPr>
+        <p:spPr/>
+        <p:txBody>
+          <a:bodyPr/>
+          <a:lstStyle/>
+          <a:p>
+            <a:r>
+              <a:rPr lang="en-NZ" dirty="0"/>
+              <a:t>1 runnable</a:t>
+            </a:r>
+          </a:p>
+          <a:p>
+            <a:r>
+              <a:rPr lang="en-NZ" dirty="0"/>
+              <a:t>2 running</a:t>
+            </a:r>
+          </a:p>
+          <a:p>
+            <a:r>
+              <a:rPr lang="en-NZ" dirty="0"/>
+              <a:t>3 block, sleep , wait</a:t>
+            </a:r>
+          </a:p>
+          <a:p>
+            <a:r>
+              <a:rPr lang="en-NZ" dirty="0"/>
+              <a:t>4 die</a:t>
+            </a:r>
+          </a:p>
+        </p:txBody>
+      </p:sp>
+    </p:spTree>
+    <p:extLst>
+      <p:ext uri="{BB962C8B-B14F-4D97-AF65-F5344CB8AC3E}">
+        <p14:creationId xmlns:p14="http://schemas.microsoft.com/office/powerpoint/2010/main" val="1680817047"/>
+      </p:ext>
+    </p:extLst>
+  </p:cSld>
+  <p:clrMapOvr>
+    <a:masterClrMapping/>
+  </p:clrMapOvr>
+</p:sld>
+</file>
+
+<file path=ppt/slides/slide34.xml><?xml version="1.0" encoding="utf-8"?>
+<p:sld xmlns:a="http://schemas.openxmlformats.org/drawingml/2006/main" xmlns:r="http://schemas.openxmlformats.org/officeDocument/2006/relationships" xmlns:p="http://schemas.openxmlformats.org/presentationml/2006/main">
+  <p:cSld>
+    <p:spTree>
+      <p:nvGrpSpPr>
+        <p:cNvPr id="1" name=""/>
+        <p:cNvGrpSpPr/>
+        <p:nvPr/>
+      </p:nvGrpSpPr>
+      <p:grpSpPr>
+        <a:xfrm>
+          <a:off x="0" y="0"/>
+          <a:ext cx="0" cy="0"/>
+          <a:chOff x="0" y="0"/>
+          <a:chExt cx="0" cy="0"/>
+        </a:xfrm>
+      </p:grpSpPr>
+      <p:sp>
+        <p:nvSpPr>
+          <p:cNvPr id="2" name="Title 1">
+            <a:extLst>
+              <a:ext uri="{FF2B5EF4-FFF2-40B4-BE49-F238E27FC236}">
+                <a16:creationId xmlns:a16="http://schemas.microsoft.com/office/drawing/2014/main" id="{E2F08B33-8D7A-461E-A826-BDE858AD3BF2}"/>
+              </a:ext>
+            </a:extLst>
+          </p:cNvPr>
+          <p:cNvSpPr>
+            <a:spLocks noGrp="1"/>
+          </p:cNvSpPr>
+          <p:nvPr>
+            <p:ph type="title"/>
+          </p:nvPr>
+        </p:nvSpPr>
+        <p:spPr/>
+        <p:txBody>
+          <a:bodyPr/>
+          <a:lstStyle/>
+          <a:p>
+            <a:endParaRPr lang="en-NZ"/>
+          </a:p>
+        </p:txBody>
+      </p:sp>
+      <p:pic>
+        <p:nvPicPr>
+          <p:cNvPr id="4" name="Content Placeholder 3">
+            <a:extLst>
+              <a:ext uri="{FF2B5EF4-FFF2-40B4-BE49-F238E27FC236}">
+                <a16:creationId xmlns:a16="http://schemas.microsoft.com/office/drawing/2014/main" id="{A4D5FBA3-F3D5-4461-8668-C37BBD527A5A}"/>
+              </a:ext>
+            </a:extLst>
+          </p:cNvPr>
+          <p:cNvPicPr>
+            <a:picLocks noGrp="1" noChangeAspect="1"/>
+          </p:cNvPicPr>
+          <p:nvPr>
+            <p:ph idx="1"/>
+          </p:nvPr>
+        </p:nvPicPr>
+        <p:blipFill>
+          <a:blip r:embed="rId2"/>
+          <a:stretch>
+            <a:fillRect/>
+          </a:stretch>
+        </p:blipFill>
+        <p:spPr>
+          <a:xfrm>
+            <a:off x="3105901" y="1825625"/>
+            <a:ext cx="5980198" cy="4351338"/>
+          </a:xfrm>
+          <a:prstGeom prst="rect">
+            <a:avLst/>
+          </a:prstGeom>
+        </p:spPr>
+      </p:pic>
+    </p:spTree>
+    <p:extLst>
+      <p:ext uri="{BB962C8B-B14F-4D97-AF65-F5344CB8AC3E}">
+        <p14:creationId xmlns:p14="http://schemas.microsoft.com/office/powerpoint/2010/main" val="4171017961"/>
+      </p:ext>
+    </p:extLst>
+  </p:cSld>
+  <p:clrMapOvr>
+    <a:masterClrMapping/>
+  </p:clrMapOvr>
+</p:sld>
+</file>
+
+<file path=ppt/slides/slide35.xml><?xml version="1.0" encoding="utf-8"?>
+<p:sld xmlns:a="http://schemas.openxmlformats.org/drawingml/2006/main" xmlns:r="http://schemas.openxmlformats.org/officeDocument/2006/relationships" xmlns:p="http://schemas.openxmlformats.org/presentationml/2006/main">
+  <p:cSld>
+    <p:spTree>
+      <p:nvGrpSpPr>
+        <p:cNvPr id="1" name=""/>
+        <p:cNvGrpSpPr/>
+        <p:nvPr/>
+      </p:nvGrpSpPr>
+      <p:grpSpPr>
+        <a:xfrm>
+          <a:off x="0" y="0"/>
+          <a:ext cx="0" cy="0"/>
+          <a:chOff x="0" y="0"/>
+          <a:chExt cx="0" cy="0"/>
+        </a:xfrm>
+      </p:grpSpPr>
+      <p:sp>
+        <p:nvSpPr>
+          <p:cNvPr id="2" name="Title 1">
+            <a:extLst>
+              <a:ext uri="{FF2B5EF4-FFF2-40B4-BE49-F238E27FC236}">
+                <a16:creationId xmlns:a16="http://schemas.microsoft.com/office/drawing/2014/main" id="{CAE578D7-87EA-497E-9B32-4C23C94CE3C8}"/>
+              </a:ext>
+            </a:extLst>
+          </p:cNvPr>
+          <p:cNvSpPr>
+            <a:spLocks noGrp="1"/>
+          </p:cNvSpPr>
+          <p:nvPr>
+            <p:ph type="title"/>
+          </p:nvPr>
+        </p:nvSpPr>
+        <p:spPr/>
+        <p:txBody>
+          <a:bodyPr/>
+          <a:lstStyle/>
+          <a:p>
+            <a:endParaRPr lang="en-NZ"/>
+          </a:p>
+        </p:txBody>
+      </p:sp>
+      <p:sp>
+        <p:nvSpPr>
+          <p:cNvPr id="3" name="Content Placeholder 2">
+            <a:extLst>
+              <a:ext uri="{FF2B5EF4-FFF2-40B4-BE49-F238E27FC236}">
+                <a16:creationId xmlns:a16="http://schemas.microsoft.com/office/drawing/2014/main" id="{9290CCA6-9FD3-4F9C-B0AC-991EC42D124F}"/>
+              </a:ext>
+            </a:extLst>
+          </p:cNvPr>
+          <p:cNvSpPr>
+            <a:spLocks noGrp="1"/>
+          </p:cNvSpPr>
+          <p:nvPr>
+            <p:ph idx="1"/>
+          </p:nvPr>
+        </p:nvSpPr>
+        <p:spPr/>
+        <p:txBody>
+          <a:bodyPr/>
+          <a:lstStyle/>
+          <a:p>
+            <a:endParaRPr lang="en-NZ"/>
+          </a:p>
+        </p:txBody>
+      </p:sp>
+      <p:pic>
+        <p:nvPicPr>
+          <p:cNvPr id="4" name="Picture 3">
+            <a:extLst>
+              <a:ext uri="{FF2B5EF4-FFF2-40B4-BE49-F238E27FC236}">
+                <a16:creationId xmlns:a16="http://schemas.microsoft.com/office/drawing/2014/main" id="{C263020C-E366-483A-9FA9-FB7964BC479F}"/>
+              </a:ext>
+            </a:extLst>
+          </p:cNvPr>
+          <p:cNvPicPr>
+            <a:picLocks noChangeAspect="1"/>
+          </p:cNvPicPr>
+          <p:nvPr/>
+        </p:nvPicPr>
+        <p:blipFill>
+          <a:blip r:embed="rId2"/>
+          <a:stretch>
+            <a:fillRect/>
+          </a:stretch>
+        </p:blipFill>
+        <p:spPr>
+          <a:xfrm>
+            <a:off x="351" y="0"/>
+            <a:ext cx="12191297" cy="6858000"/>
+          </a:xfrm>
+          <a:prstGeom prst="rect">
+            <a:avLst/>
+          </a:prstGeom>
+        </p:spPr>
+      </p:pic>
+    </p:spTree>
+    <p:extLst>
+      <p:ext uri="{BB962C8B-B14F-4D97-AF65-F5344CB8AC3E}">
+        <p14:creationId xmlns:p14="http://schemas.microsoft.com/office/powerpoint/2010/main" val="3457897337"/>
+      </p:ext>
+    </p:extLst>
+  </p:cSld>
+  <p:clrMapOvr>
+    <a:masterClrMapping/>
+  </p:clrMapOvr>
+</p:sld>
+</file>
+
+<file path=ppt/slides/slide36.xml><?xml version="1.0" encoding="utf-8"?>
+<p:sld xmlns:a="http://schemas.openxmlformats.org/drawingml/2006/main" xmlns:r="http://schemas.openxmlformats.org/officeDocument/2006/relationships" xmlns:p="http://schemas.openxmlformats.org/presentationml/2006/main">
+  <p:cSld>
+    <p:spTree>
+      <p:nvGrpSpPr>
+        <p:cNvPr id="1" name=""/>
+        <p:cNvGrpSpPr/>
+        <p:nvPr/>
+      </p:nvGrpSpPr>
+      <p:grpSpPr>
+        <a:xfrm>
+          <a:off x="0" y="0"/>
+          <a:ext cx="0" cy="0"/>
+          <a:chOff x="0" y="0"/>
+          <a:chExt cx="0" cy="0"/>
+        </a:xfrm>
+      </p:grpSpPr>
+      <p:sp>
+        <p:nvSpPr>
+          <p:cNvPr id="2" name="Title 1">
+            <a:extLst>
+              <a:ext uri="{FF2B5EF4-FFF2-40B4-BE49-F238E27FC236}">
+                <a16:creationId xmlns:a16="http://schemas.microsoft.com/office/drawing/2014/main" id="{357A3D66-A439-472F-B481-721B8FC232AB}"/>
+              </a:ext>
+            </a:extLst>
+          </p:cNvPr>
+          <p:cNvSpPr>
+            <a:spLocks noGrp="1"/>
+          </p:cNvSpPr>
+          <p:nvPr>
+            <p:ph type="title"/>
+          </p:nvPr>
+        </p:nvSpPr>
+        <p:spPr/>
+        <p:txBody>
+          <a:bodyPr/>
+          <a:lstStyle/>
+          <a:p>
+            <a:r>
+              <a:rPr lang="en-NZ" dirty="0"/>
+              <a:t>Yield </a:t>
+            </a:r>
+            <a:r>
+              <a:rPr lang="zh-CN" altLang="en-US" dirty="0"/>
+              <a:t>和 </a:t>
+            </a:r>
+            <a:r>
+              <a:rPr lang="en-US" altLang="zh-CN" dirty="0"/>
+              <a:t>sleep</a:t>
+            </a:r>
+            <a:r>
+              <a:rPr lang="zh-CN" altLang="en-US" dirty="0"/>
+              <a:t>的区别</a:t>
+            </a:r>
+            <a:endParaRPr lang="en-NZ" dirty="0"/>
+          </a:p>
+        </p:txBody>
+      </p:sp>
+      <p:sp>
+        <p:nvSpPr>
+          <p:cNvPr id="3" name="Content Placeholder 2">
+            <a:extLst>
+              <a:ext uri="{FF2B5EF4-FFF2-40B4-BE49-F238E27FC236}">
+                <a16:creationId xmlns:a16="http://schemas.microsoft.com/office/drawing/2014/main" id="{F5765C68-DF7B-4583-9DBB-C7CA533496AE}"/>
+              </a:ext>
+            </a:extLst>
+          </p:cNvPr>
+          <p:cNvSpPr>
+            <a:spLocks noGrp="1"/>
+          </p:cNvSpPr>
+          <p:nvPr>
+            <p:ph idx="1"/>
+          </p:nvPr>
+        </p:nvSpPr>
+        <p:spPr/>
+        <p:txBody>
+          <a:bodyPr/>
+          <a:lstStyle/>
+          <a:p>
+            <a:r>
+              <a:rPr lang="en-US" altLang="zh-CN" dirty="0"/>
+              <a:t>Yield will stop a thread, let other task to run( go in to CS)</a:t>
+            </a:r>
+          </a:p>
+          <a:p>
+            <a:r>
+              <a:rPr lang="en-US" dirty="0"/>
+              <a:t>Sleep can stop a thread by a given time</a:t>
+            </a:r>
+          </a:p>
+          <a:p>
+            <a:pPr marL="0" indent="0">
+              <a:buNone/>
+            </a:pPr>
+            <a:endParaRPr lang="en-NZ" dirty="0"/>
+          </a:p>
+        </p:txBody>
+      </p:sp>
+    </p:spTree>
+    <p:extLst>
+      <p:ext uri="{BB962C8B-B14F-4D97-AF65-F5344CB8AC3E}">
+        <p14:creationId xmlns:p14="http://schemas.microsoft.com/office/powerpoint/2010/main" val="120837790"/>
+      </p:ext>
+    </p:extLst>
+  </p:cSld>
+  <p:clrMapOvr>
+    <a:masterClrMapping/>
+  </p:clrMapOvr>
+</p:sld>
+</file>
+
+<file path=ppt/slides/slide37.xml><?xml version="1.0" encoding="utf-8"?>
+<p:sld xmlns:a="http://schemas.openxmlformats.org/drawingml/2006/main" xmlns:r="http://schemas.openxmlformats.org/officeDocument/2006/relationships" xmlns:p="http://schemas.openxmlformats.org/presentationml/2006/main">
+  <p:cSld>
+    <p:spTree>
+      <p:nvGrpSpPr>
+        <p:cNvPr id="1" name=""/>
+        <p:cNvGrpSpPr/>
+        <p:nvPr/>
+      </p:nvGrpSpPr>
+      <p:grpSpPr>
+        <a:xfrm>
+          <a:off x="0" y="0"/>
+          <a:ext cx="0" cy="0"/>
+          <a:chOff x="0" y="0"/>
+          <a:chExt cx="0" cy="0"/>
+        </a:xfrm>
+      </p:grpSpPr>
+      <p:sp>
+        <p:nvSpPr>
+          <p:cNvPr id="2" name="Title 1">
+            <a:extLst>
+              <a:ext uri="{FF2B5EF4-FFF2-40B4-BE49-F238E27FC236}">
                 <a16:creationId xmlns:a16="http://schemas.microsoft.com/office/drawing/2014/main" id="{AC39DA2F-9A17-4FA1-8B20-4CED03BE9DB1}"/>
               </a:ext>
             </a:extLst>
@@ -6567,7 +7085,7 @@
 </p:sld>
 </file>
 
-<file path=ppt/slides/slide33.xml><?xml version="1.0" encoding="utf-8"?>
+<file path=ppt/slides/slide38.xml><?xml version="1.0" encoding="utf-8"?>
 <p:sld xmlns:a="http://schemas.openxmlformats.org/drawingml/2006/main" xmlns:r="http://schemas.openxmlformats.org/officeDocument/2006/relationships" xmlns:p="http://schemas.openxmlformats.org/presentationml/2006/main">
   <p:cSld>
     <p:spTree>
@@ -6677,7 +7195,7 @@
 </p:sld>
 </file>
 
-<file path=ppt/slides/slide34.xml><?xml version="1.0" encoding="utf-8"?>
+<file path=ppt/slides/slide39.xml><?xml version="1.0" encoding="utf-8"?>
 <p:sld xmlns:a="http://schemas.openxmlformats.org/drawingml/2006/main" xmlns:r="http://schemas.openxmlformats.org/officeDocument/2006/relationships" xmlns:p="http://schemas.openxmlformats.org/presentationml/2006/main">
   <p:cSld>
     <p:spTree>
@@ -6760,7 +7278,117 @@
 </p:sld>
 </file>
 
-<file path=ppt/slides/slide35.xml><?xml version="1.0" encoding="utf-8"?>
+<file path=ppt/slides/slide4.xml><?xml version="1.0" encoding="utf-8"?>
+<p:sld xmlns:a="http://schemas.openxmlformats.org/drawingml/2006/main" xmlns:r="http://schemas.openxmlformats.org/officeDocument/2006/relationships" xmlns:p="http://schemas.openxmlformats.org/presentationml/2006/main">
+  <p:cSld>
+    <p:spTree>
+      <p:nvGrpSpPr>
+        <p:cNvPr id="1" name=""/>
+        <p:cNvGrpSpPr/>
+        <p:nvPr/>
+      </p:nvGrpSpPr>
+      <p:grpSpPr>
+        <a:xfrm>
+          <a:off x="0" y="0"/>
+          <a:ext cx="0" cy="0"/>
+          <a:chOff x="0" y="0"/>
+          <a:chExt cx="0" cy="0"/>
+        </a:xfrm>
+      </p:grpSpPr>
+      <p:pic>
+        <p:nvPicPr>
+          <p:cNvPr id="4" name="Picture 3">
+            <a:extLst>
+              <a:ext uri="{FF2B5EF4-FFF2-40B4-BE49-F238E27FC236}">
+                <a16:creationId xmlns:a16="http://schemas.microsoft.com/office/drawing/2014/main" id="{429A83C6-7074-40DD-AF04-ABE5D8CD400E}"/>
+              </a:ext>
+            </a:extLst>
+          </p:cNvPr>
+          <p:cNvPicPr>
+            <a:picLocks noChangeAspect="1"/>
+          </p:cNvPicPr>
+          <p:nvPr/>
+        </p:nvPicPr>
+        <p:blipFill>
+          <a:blip r:embed="rId2"/>
+          <a:stretch>
+            <a:fillRect/>
+          </a:stretch>
+        </p:blipFill>
+        <p:spPr>
+          <a:xfrm>
+            <a:off x="1004887" y="2600325"/>
+            <a:ext cx="10182225" cy="1657350"/>
+          </a:xfrm>
+          <a:prstGeom prst="rect">
+            <a:avLst/>
+          </a:prstGeom>
+        </p:spPr>
+      </p:pic>
+      <p:sp>
+        <p:nvSpPr>
+          <p:cNvPr id="2" name="Title 1">
+            <a:extLst>
+              <a:ext uri="{FF2B5EF4-FFF2-40B4-BE49-F238E27FC236}">
+                <a16:creationId xmlns:a16="http://schemas.microsoft.com/office/drawing/2014/main" id="{E48A8227-CD7C-4FA0-A560-238095DCAA6E}"/>
+              </a:ext>
+            </a:extLst>
+          </p:cNvPr>
+          <p:cNvSpPr>
+            <a:spLocks noGrp="1"/>
+          </p:cNvSpPr>
+          <p:nvPr>
+            <p:ph type="title"/>
+          </p:nvPr>
+        </p:nvSpPr>
+        <p:spPr/>
+        <p:txBody>
+          <a:bodyPr/>
+          <a:lstStyle/>
+          <a:p>
+            <a:endParaRPr lang="en-NZ" dirty="0"/>
+          </a:p>
+        </p:txBody>
+      </p:sp>
+      <p:sp>
+        <p:nvSpPr>
+          <p:cNvPr id="3" name="Content Placeholder 2">
+            <a:extLst>
+              <a:ext uri="{FF2B5EF4-FFF2-40B4-BE49-F238E27FC236}">
+                <a16:creationId xmlns:a16="http://schemas.microsoft.com/office/drawing/2014/main" id="{7E9D474C-5D7C-4213-A40E-035344BB7ED7}"/>
+              </a:ext>
+            </a:extLst>
+          </p:cNvPr>
+          <p:cNvSpPr>
+            <a:spLocks noGrp="1"/>
+          </p:cNvSpPr>
+          <p:nvPr>
+            <p:ph idx="1"/>
+          </p:nvPr>
+        </p:nvSpPr>
+        <p:spPr/>
+        <p:txBody>
+          <a:bodyPr/>
+          <a:lstStyle/>
+          <a:p>
+            <a:endParaRPr lang="en-NZ" dirty="0"/>
+          </a:p>
+        </p:txBody>
+      </p:sp>
+    </p:spTree>
+    <p:extLst>
+      <p:ext uri="{BB962C8B-B14F-4D97-AF65-F5344CB8AC3E}">
+        <p14:creationId xmlns:p14="http://schemas.microsoft.com/office/powerpoint/2010/main" val="3753092336"/>
+      </p:ext>
+    </p:extLst>
+  </p:cSld>
+  <p:clrMapOvr>
+    <a:masterClrMapping/>
+  </p:clrMapOvr>
+</p:sld>
+</file>
+
+<file path=ppt/slides/slide40.xml><?xml version="1.0" encoding="utf-8"?>
 <p:sld xmlns:a="http://schemas.openxmlformats.org/drawingml/2006/main" xmlns:r="http://schemas.openxmlformats.org/officeDocument/2006/relationships" xmlns:p="http://schemas.openxmlformats.org/presentationml/2006/main">
   <p:cSld>
     <p:spTree>
@@ -6870,7 +7498,110 @@
 </p:sld>
 </file>
 
-<file path=ppt/slides/slide36.xml><?xml version="1.0" encoding="utf-8"?>
+<file path=ppt/slides/slide41.xml><?xml version="1.0" encoding="utf-8"?>
+<p:sld xmlns:a="http://schemas.openxmlformats.org/drawingml/2006/main" xmlns:r="http://schemas.openxmlformats.org/officeDocument/2006/relationships" xmlns:p="http://schemas.openxmlformats.org/presentationml/2006/main">
+  <p:cSld>
+    <p:spTree>
+      <p:nvGrpSpPr>
+        <p:cNvPr id="1" name=""/>
+        <p:cNvGrpSpPr/>
+        <p:nvPr/>
+      </p:nvGrpSpPr>
+      <p:grpSpPr>
+        <a:xfrm>
+          <a:off x="0" y="0"/>
+          <a:ext cx="0" cy="0"/>
+          <a:chOff x="0" y="0"/>
+          <a:chExt cx="0" cy="0"/>
+        </a:xfrm>
+      </p:grpSpPr>
+      <p:sp>
+        <p:nvSpPr>
+          <p:cNvPr id="2" name="Title 1">
+            <a:extLst>
+              <a:ext uri="{FF2B5EF4-FFF2-40B4-BE49-F238E27FC236}">
+                <a16:creationId xmlns:a16="http://schemas.microsoft.com/office/drawing/2014/main" id="{B8E061C5-7D82-4199-9328-7B2ED8BF5C10}"/>
+              </a:ext>
+            </a:extLst>
+          </p:cNvPr>
+          <p:cNvSpPr>
+            <a:spLocks noGrp="1"/>
+          </p:cNvSpPr>
+          <p:nvPr>
+            <p:ph type="title"/>
+          </p:nvPr>
+        </p:nvSpPr>
+        <p:spPr/>
+        <p:txBody>
+          <a:bodyPr/>
+          <a:lstStyle/>
+          <a:p>
+            <a:endParaRPr lang="en-NZ"/>
+          </a:p>
+        </p:txBody>
+      </p:sp>
+      <p:sp>
+        <p:nvSpPr>
+          <p:cNvPr id="3" name="Content Placeholder 2">
+            <a:extLst>
+              <a:ext uri="{FF2B5EF4-FFF2-40B4-BE49-F238E27FC236}">
+                <a16:creationId xmlns:a16="http://schemas.microsoft.com/office/drawing/2014/main" id="{A5601287-818D-4DBC-BD42-AAE97ECEFFB9}"/>
+              </a:ext>
+            </a:extLst>
+          </p:cNvPr>
+          <p:cNvSpPr>
+            <a:spLocks noGrp="1"/>
+          </p:cNvSpPr>
+          <p:nvPr>
+            <p:ph idx="1"/>
+          </p:nvPr>
+        </p:nvSpPr>
+        <p:spPr/>
+        <p:txBody>
+          <a:bodyPr/>
+          <a:lstStyle/>
+          <a:p>
+            <a:r>
+              <a:rPr lang="en-NZ" dirty="0"/>
+              <a:t>List is a collection of objects, they are ordered and repeatable</a:t>
+            </a:r>
+          </a:p>
+          <a:p>
+            <a:r>
+              <a:rPr lang="en-NZ" dirty="0"/>
+              <a:t>Set is a collection of objects, they are not ordered and not repeatable</a:t>
+            </a:r>
+          </a:p>
+          <a:p>
+            <a:r>
+              <a:rPr lang="en-NZ" dirty="0"/>
+              <a:t>Map is a value pair of objects, one key to one object. Key is not ordered and not repeatable, but value is not ordered </a:t>
+            </a:r>
+            <a:r>
+              <a:rPr lang="en-NZ"/>
+              <a:t>and repeatable</a:t>
+            </a:r>
+            <a:endParaRPr lang="en-NZ" dirty="0"/>
+          </a:p>
+          <a:p>
+            <a:endParaRPr lang="en-NZ" dirty="0"/>
+          </a:p>
+        </p:txBody>
+      </p:sp>
+    </p:spTree>
+    <p:extLst>
+      <p:ext uri="{BB962C8B-B14F-4D97-AF65-F5344CB8AC3E}">
+        <p14:creationId xmlns:p14="http://schemas.microsoft.com/office/powerpoint/2010/main" val="2316029314"/>
+      </p:ext>
+    </p:extLst>
+  </p:cSld>
+  <p:clrMapOvr>
+    <a:masterClrMapping/>
+  </p:clrMapOvr>
+</p:sld>
+</file>
+
+<file path=ppt/slides/slide42.xml><?xml version="1.0" encoding="utf-8"?>
 <p:sld xmlns:a="http://schemas.openxmlformats.org/drawingml/2006/main" xmlns:r="http://schemas.openxmlformats.org/officeDocument/2006/relationships" xmlns:p="http://schemas.openxmlformats.org/presentationml/2006/main">
   <p:cSld>
     <p:spTree>
@@ -6980,7 +7711,7 @@
 </p:sld>
 </file>
 
-<file path=ppt/slides/slide37.xml><?xml version="1.0" encoding="utf-8"?>
+<file path=ppt/slides/slide43.xml><?xml version="1.0" encoding="utf-8"?>
 <p:sld xmlns:a="http://schemas.openxmlformats.org/drawingml/2006/main" xmlns:r="http://schemas.openxmlformats.org/officeDocument/2006/relationships" xmlns:p="http://schemas.openxmlformats.org/presentationml/2006/main">
   <p:cSld>
     <p:spTree>
@@ -7090,7 +7821,7 @@
 </p:sld>
 </file>
 
-<file path=ppt/slides/slide38.xml><?xml version="1.0" encoding="utf-8"?>
+<file path=ppt/slides/slide44.xml><?xml version="1.0" encoding="utf-8"?>
 <p:sld xmlns:a="http://schemas.openxmlformats.org/drawingml/2006/main" xmlns:r="http://schemas.openxmlformats.org/officeDocument/2006/relationships" xmlns:p="http://schemas.openxmlformats.org/presentationml/2006/main">
   <p:cSld>
     <p:spTree>
@@ -7177,7 +7908,7 @@
 </p:sld>
 </file>
 
-<file path=ppt/slides/slide4.xml><?xml version="1.0" encoding="utf-8"?>
+<file path=ppt/slides/slide45.xml><?xml version="1.0" encoding="utf-8"?>
 <p:sld xmlns:a="http://schemas.openxmlformats.org/drawingml/2006/main" xmlns:r="http://schemas.openxmlformats.org/officeDocument/2006/relationships" xmlns:p="http://schemas.openxmlformats.org/presentationml/2006/main">
   <p:cSld>
     <p:spTree>
@@ -7194,42 +7925,12 @@
           <a:chExt cx="0" cy="0"/>
         </a:xfrm>
       </p:grpSpPr>
-      <p:pic>
-        <p:nvPicPr>
-          <p:cNvPr id="4" name="Picture 3">
-            <a:extLst>
-              <a:ext uri="{FF2B5EF4-FFF2-40B4-BE49-F238E27FC236}">
-                <a16:creationId xmlns:a16="http://schemas.microsoft.com/office/drawing/2014/main" id="{429A83C6-7074-40DD-AF04-ABE5D8CD400E}"/>
-              </a:ext>
-            </a:extLst>
-          </p:cNvPr>
-          <p:cNvPicPr>
-            <a:picLocks noChangeAspect="1"/>
-          </p:cNvPicPr>
-          <p:nvPr/>
-        </p:nvPicPr>
-        <p:blipFill>
-          <a:blip r:embed="rId2"/>
-          <a:stretch>
-            <a:fillRect/>
-          </a:stretch>
-        </p:blipFill>
-        <p:spPr>
-          <a:xfrm>
-            <a:off x="1004887" y="2600325"/>
-            <a:ext cx="10182225" cy="1657350"/>
-          </a:xfrm>
-          <a:prstGeom prst="rect">
-            <a:avLst/>
-          </a:prstGeom>
-        </p:spPr>
-      </p:pic>
       <p:sp>
         <p:nvSpPr>
           <p:cNvPr id="2" name="Title 1">
             <a:extLst>
               <a:ext uri="{FF2B5EF4-FFF2-40B4-BE49-F238E27FC236}">
-                <a16:creationId xmlns:a16="http://schemas.microsoft.com/office/drawing/2014/main" id="{E48A8227-CD7C-4FA0-A560-238095DCAA6E}"/>
+                <a16:creationId xmlns:a16="http://schemas.microsoft.com/office/drawing/2014/main" id="{4D2D777F-37CD-4A3C-9A92-865E81D0CE09}"/>
               </a:ext>
             </a:extLst>
           </p:cNvPr>
@@ -7245,7 +7946,10 @@
           <a:bodyPr/>
           <a:lstStyle/>
           <a:p>
-            <a:endParaRPr lang="en-NZ" dirty="0"/>
+            <a:r>
+              <a:rPr lang="en-NZ" dirty="0"/>
+              <a:t>Singleton Pattern</a:t>
+            </a:r>
           </a:p>
         </p:txBody>
       </p:sp>
@@ -7254,7 +7958,7 @@
           <p:cNvPr id="3" name="Content Placeholder 2">
             <a:extLst>
               <a:ext uri="{FF2B5EF4-FFF2-40B4-BE49-F238E27FC236}">
-                <a16:creationId xmlns:a16="http://schemas.microsoft.com/office/drawing/2014/main" id="{7E9D474C-5D7C-4213-A40E-035344BB7ED7}"/>
+                <a16:creationId xmlns:a16="http://schemas.microsoft.com/office/drawing/2014/main" id="{FA0FFA8F-BBA9-4FBB-94D9-E9ACB0DBF7D1}"/>
               </a:ext>
             </a:extLst>
           </p:cNvPr>
@@ -7270,14 +7974,267 @@
           <a:bodyPr/>
           <a:lstStyle/>
           <a:p>
-            <a:endParaRPr lang="en-NZ" dirty="0"/>
+            <a:r>
+              <a:rPr lang="en-NZ" dirty="0"/>
+              <a:t>problem </a:t>
+            </a:r>
+          </a:p>
+          <a:p>
+            <a:r>
+              <a:rPr lang="en-NZ" dirty="0"/>
+              <a:t>What a class only have one object maximum in program</a:t>
+            </a:r>
+          </a:p>
+          <a:p>
+            <a:r>
+              <a:rPr lang="en-NZ" dirty="0"/>
+              <a:t> solution</a:t>
+            </a:r>
+          </a:p>
+          <a:p>
+            <a:r>
+              <a:rPr lang="en-NZ" dirty="0"/>
+              <a:t>Use private constructor, and a synchronize ,static method to check if there are any “this” object exist, if any throw exception, else return a new object</a:t>
+            </a:r>
           </a:p>
         </p:txBody>
       </p:sp>
     </p:spTree>
     <p:extLst>
       <p:ext uri="{BB962C8B-B14F-4D97-AF65-F5344CB8AC3E}">
-        <p14:creationId xmlns:p14="http://schemas.microsoft.com/office/powerpoint/2010/main" val="3753092336"/>
+        <p14:creationId xmlns:p14="http://schemas.microsoft.com/office/powerpoint/2010/main" val="532108016"/>
+      </p:ext>
+    </p:extLst>
+  </p:cSld>
+  <p:clrMapOvr>
+    <a:masterClrMapping/>
+  </p:clrMapOvr>
+</p:sld>
+</file>
+
+<file path=ppt/slides/slide46.xml><?xml version="1.0" encoding="utf-8"?>
+<p:sld xmlns:a="http://schemas.openxmlformats.org/drawingml/2006/main" xmlns:r="http://schemas.openxmlformats.org/officeDocument/2006/relationships" xmlns:p="http://schemas.openxmlformats.org/presentationml/2006/main">
+  <p:cSld>
+    <p:spTree>
+      <p:nvGrpSpPr>
+        <p:cNvPr id="1" name=""/>
+        <p:cNvGrpSpPr/>
+        <p:nvPr/>
+      </p:nvGrpSpPr>
+      <p:grpSpPr>
+        <a:xfrm>
+          <a:off x="0" y="0"/>
+          <a:ext cx="0" cy="0"/>
+          <a:chOff x="0" y="0"/>
+          <a:chExt cx="0" cy="0"/>
+        </a:xfrm>
+      </p:grpSpPr>
+      <p:sp>
+        <p:nvSpPr>
+          <p:cNvPr id="2" name="Title 1">
+            <a:extLst>
+              <a:ext uri="{FF2B5EF4-FFF2-40B4-BE49-F238E27FC236}">
+                <a16:creationId xmlns:a16="http://schemas.microsoft.com/office/drawing/2014/main" id="{F3DF3BDD-6E51-49DE-8EEF-E86032E44221}"/>
+              </a:ext>
+            </a:extLst>
+          </p:cNvPr>
+          <p:cNvSpPr>
+            <a:spLocks noGrp="1"/>
+          </p:cNvSpPr>
+          <p:nvPr>
+            <p:ph type="title"/>
+          </p:nvPr>
+        </p:nvSpPr>
+        <p:spPr/>
+        <p:txBody>
+          <a:bodyPr/>
+          <a:lstStyle/>
+          <a:p>
+            <a:r>
+              <a:rPr lang="en-NZ" dirty="0" err="1"/>
+              <a:t>varargs</a:t>
+            </a:r>
+            <a:r>
+              <a:rPr lang="en-NZ" dirty="0"/>
+              <a:t> idiom</a:t>
+            </a:r>
+          </a:p>
+        </p:txBody>
+      </p:sp>
+      <p:sp>
+        <p:nvSpPr>
+          <p:cNvPr id="3" name="Content Placeholder 2">
+            <a:extLst>
+              <a:ext uri="{FF2B5EF4-FFF2-40B4-BE49-F238E27FC236}">
+                <a16:creationId xmlns:a16="http://schemas.microsoft.com/office/drawing/2014/main" id="{42BF97EB-742A-4C68-90C3-2A4178A40F43}"/>
+              </a:ext>
+            </a:extLst>
+          </p:cNvPr>
+          <p:cNvSpPr>
+            <a:spLocks noGrp="1"/>
+          </p:cNvSpPr>
+          <p:nvPr>
+            <p:ph idx="1"/>
+          </p:nvPr>
+        </p:nvSpPr>
+        <p:spPr/>
+        <p:txBody>
+          <a:bodyPr/>
+          <a:lstStyle/>
+          <a:p>
+            <a:pPr marL="0" indent="0">
+              <a:buNone/>
+            </a:pPr>
+            <a:r>
+              <a:rPr lang="en-NZ" dirty="0"/>
+              <a:t> use for each not use for, because for each is more safe</a:t>
+            </a:r>
+          </a:p>
+        </p:txBody>
+      </p:sp>
+    </p:spTree>
+    <p:extLst>
+      <p:ext uri="{BB962C8B-B14F-4D97-AF65-F5344CB8AC3E}">
+        <p14:creationId xmlns:p14="http://schemas.microsoft.com/office/powerpoint/2010/main" val="1671335839"/>
+      </p:ext>
+    </p:extLst>
+  </p:cSld>
+  <p:clrMapOvr>
+    <a:masterClrMapping/>
+  </p:clrMapOvr>
+</p:sld>
+</file>
+
+<file path=ppt/slides/slide47.xml><?xml version="1.0" encoding="utf-8"?>
+<p:sld xmlns:a="http://schemas.openxmlformats.org/drawingml/2006/main" xmlns:r="http://schemas.openxmlformats.org/officeDocument/2006/relationships" xmlns:p="http://schemas.openxmlformats.org/presentationml/2006/main">
+  <p:cSld>
+    <p:spTree>
+      <p:nvGrpSpPr>
+        <p:cNvPr id="1" name=""/>
+        <p:cNvGrpSpPr/>
+        <p:nvPr/>
+      </p:nvGrpSpPr>
+      <p:grpSpPr>
+        <a:xfrm>
+          <a:off x="0" y="0"/>
+          <a:ext cx="0" cy="0"/>
+          <a:chOff x="0" y="0"/>
+          <a:chExt cx="0" cy="0"/>
+        </a:xfrm>
+      </p:grpSpPr>
+      <p:sp>
+        <p:nvSpPr>
+          <p:cNvPr id="2" name="Title 1">
+            <a:extLst>
+              <a:ext uri="{FF2B5EF4-FFF2-40B4-BE49-F238E27FC236}">
+                <a16:creationId xmlns:a16="http://schemas.microsoft.com/office/drawing/2014/main" id="{9B972D4A-7B4F-46C1-A9AD-0C42E07408E1}"/>
+              </a:ext>
+            </a:extLst>
+          </p:cNvPr>
+          <p:cNvSpPr>
+            <a:spLocks noGrp="1"/>
+          </p:cNvSpPr>
+          <p:nvPr>
+            <p:ph type="title"/>
+          </p:nvPr>
+        </p:nvSpPr>
+        <p:spPr/>
+        <p:txBody>
+          <a:bodyPr/>
+          <a:lstStyle/>
+          <a:p>
+            <a:r>
+              <a:rPr lang="en-NZ" dirty="0"/>
+              <a:t>Briefly explain EACH of following four terms</a:t>
+            </a:r>
+            <a:r>
+              <a:rPr lang="en-NZ"/>
+              <a:t>: </a:t>
+            </a:r>
+            <a:endParaRPr lang="en-NZ" dirty="0"/>
+          </a:p>
+        </p:txBody>
+      </p:sp>
+      <p:sp>
+        <p:nvSpPr>
+          <p:cNvPr id="3" name="Content Placeholder 2">
+            <a:extLst>
+              <a:ext uri="{FF2B5EF4-FFF2-40B4-BE49-F238E27FC236}">
+                <a16:creationId xmlns:a16="http://schemas.microsoft.com/office/drawing/2014/main" id="{1C3E7145-E2B1-4743-A57D-EA072C5F952A}"/>
+              </a:ext>
+            </a:extLst>
+          </p:cNvPr>
+          <p:cNvSpPr>
+            <a:spLocks noGrp="1"/>
+          </p:cNvSpPr>
+          <p:nvPr>
+            <p:ph idx="1"/>
+          </p:nvPr>
+        </p:nvSpPr>
+        <p:spPr/>
+        <p:txBody>
+          <a:bodyPr>
+            <a:normAutofit fontScale="92500" lnSpcReduction="20000"/>
+          </a:bodyPr>
+          <a:lstStyle/>
+          <a:p>
+            <a:r>
+              <a:rPr lang="en-NZ" dirty="0" err="1"/>
+              <a:t>i</a:t>
+            </a:r>
+            <a:r>
+              <a:rPr lang="en-NZ" dirty="0"/>
+              <a:t>. System function testing </a:t>
+            </a:r>
+          </a:p>
+          <a:p>
+            <a:r>
+              <a:rPr lang="en-NZ" dirty="0"/>
+              <a:t>Unit testing on a function or a part of the system, to see if the function or the part having correct behaviour</a:t>
+            </a:r>
+          </a:p>
+          <a:p>
+            <a:r>
+              <a:rPr lang="en-NZ" dirty="0"/>
+              <a:t>ii. Usability testing </a:t>
+            </a:r>
+          </a:p>
+          <a:p>
+            <a:r>
+              <a:rPr lang="en-NZ" dirty="0"/>
+              <a:t>Research on how usable of the program, usually used on user interface design</a:t>
+            </a:r>
+          </a:p>
+          <a:p>
+            <a:r>
+              <a:rPr lang="en-NZ" dirty="0"/>
+              <a:t>iii. Performance testing </a:t>
+            </a:r>
+          </a:p>
+          <a:p>
+            <a:r>
+              <a:rPr lang="en-NZ" dirty="0"/>
+              <a:t>Testing programming having enough performance to output results in a prior of time</a:t>
+            </a:r>
+          </a:p>
+          <a:p>
+            <a:r>
+              <a:rPr lang="en-NZ" dirty="0"/>
+              <a:t>iv. Stress testing</a:t>
+            </a:r>
+          </a:p>
+          <a:p>
+            <a:r>
+              <a:rPr lang="en-NZ" dirty="0"/>
+              <a:t>Testing the system able to handle stress or not.</a:t>
+            </a:r>
+          </a:p>
+        </p:txBody>
+      </p:sp>
+    </p:spTree>
+    <p:extLst>
+      <p:ext uri="{BB962C8B-B14F-4D97-AF65-F5344CB8AC3E}">
+        <p14:creationId xmlns:p14="http://schemas.microsoft.com/office/powerpoint/2010/main" val="2781006911"/>
       </p:ext>
     </p:extLst>
   </p:cSld>
